--- a/presentation.pptx
+++ b/presentation.pptx
@@ -11,11 +11,14 @@
     <p:sldId id="259" r:id="rId5"/>
     <p:sldId id="263" r:id="rId6"/>
     <p:sldId id="260" r:id="rId7"/>
-    <p:sldId id="264" r:id="rId8"/>
-    <p:sldId id="265" r:id="rId9"/>
-    <p:sldId id="266" r:id="rId10"/>
-    <p:sldId id="261" r:id="rId11"/>
-    <p:sldId id="262" r:id="rId12"/>
+    <p:sldId id="267" r:id="rId8"/>
+    <p:sldId id="264" r:id="rId9"/>
+    <p:sldId id="265" r:id="rId10"/>
+    <p:sldId id="268" r:id="rId11"/>
+    <p:sldId id="269" r:id="rId12"/>
+    <p:sldId id="266" r:id="rId13"/>
+    <p:sldId id="261" r:id="rId14"/>
+    <p:sldId id="262" r:id="rId15"/>
   </p:sldIdLst>
   <p:sldSz cx="12192000" cy="6858000"/>
   <p:notesSz cx="6858000" cy="9144000"/>
@@ -269,7 +272,7 @@
           <a:p>
             <a:fld id="{1B2700B3-08F4-42F9-BD95-A86CB01488F8}" type="datetimeFigureOut">
               <a:rPr lang="ru-RU" smtClean="0"/>
-              <a:t>04.05.2022</a:t>
+              <a:t>16.05.2022</a:t>
             </a:fld>
             <a:endParaRPr lang="ru-RU" dirty="0"/>
           </a:p>
@@ -467,7 +470,7 @@
           <a:p>
             <a:fld id="{1B2700B3-08F4-42F9-BD95-A86CB01488F8}" type="datetimeFigureOut">
               <a:rPr lang="ru-RU" smtClean="0"/>
-              <a:t>04.05.2022</a:t>
+              <a:t>16.05.2022</a:t>
             </a:fld>
             <a:endParaRPr lang="ru-RU" dirty="0"/>
           </a:p>
@@ -675,7 +678,7 @@
           <a:p>
             <a:fld id="{1B2700B3-08F4-42F9-BD95-A86CB01488F8}" type="datetimeFigureOut">
               <a:rPr lang="ru-RU" smtClean="0"/>
-              <a:t>04.05.2022</a:t>
+              <a:t>16.05.2022</a:t>
             </a:fld>
             <a:endParaRPr lang="ru-RU" dirty="0"/>
           </a:p>
@@ -873,7 +876,7 @@
           <a:p>
             <a:fld id="{1B2700B3-08F4-42F9-BD95-A86CB01488F8}" type="datetimeFigureOut">
               <a:rPr lang="ru-RU" smtClean="0"/>
-              <a:t>04.05.2022</a:t>
+              <a:t>16.05.2022</a:t>
             </a:fld>
             <a:endParaRPr lang="ru-RU" dirty="0"/>
           </a:p>
@@ -1148,7 +1151,7 @@
           <a:p>
             <a:fld id="{1B2700B3-08F4-42F9-BD95-A86CB01488F8}" type="datetimeFigureOut">
               <a:rPr lang="ru-RU" smtClean="0"/>
-              <a:t>04.05.2022</a:t>
+              <a:t>16.05.2022</a:t>
             </a:fld>
             <a:endParaRPr lang="ru-RU" dirty="0"/>
           </a:p>
@@ -1413,7 +1416,7 @@
           <a:p>
             <a:fld id="{1B2700B3-08F4-42F9-BD95-A86CB01488F8}" type="datetimeFigureOut">
               <a:rPr lang="ru-RU" smtClean="0"/>
-              <a:t>04.05.2022</a:t>
+              <a:t>16.05.2022</a:t>
             </a:fld>
             <a:endParaRPr lang="ru-RU" dirty="0"/>
           </a:p>
@@ -1825,7 +1828,7 @@
           <a:p>
             <a:fld id="{1B2700B3-08F4-42F9-BD95-A86CB01488F8}" type="datetimeFigureOut">
               <a:rPr lang="ru-RU" smtClean="0"/>
-              <a:t>04.05.2022</a:t>
+              <a:t>16.05.2022</a:t>
             </a:fld>
             <a:endParaRPr lang="ru-RU" dirty="0"/>
           </a:p>
@@ -1966,7 +1969,7 @@
           <a:p>
             <a:fld id="{1B2700B3-08F4-42F9-BD95-A86CB01488F8}" type="datetimeFigureOut">
               <a:rPr lang="ru-RU" smtClean="0"/>
-              <a:t>04.05.2022</a:t>
+              <a:t>16.05.2022</a:t>
             </a:fld>
             <a:endParaRPr lang="ru-RU" dirty="0"/>
           </a:p>
@@ -2079,7 +2082,7 @@
           <a:p>
             <a:fld id="{1B2700B3-08F4-42F9-BD95-A86CB01488F8}" type="datetimeFigureOut">
               <a:rPr lang="ru-RU" smtClean="0"/>
-              <a:t>04.05.2022</a:t>
+              <a:t>16.05.2022</a:t>
             </a:fld>
             <a:endParaRPr lang="ru-RU" dirty="0"/>
           </a:p>
@@ -2390,7 +2393,7 @@
           <a:p>
             <a:fld id="{1B2700B3-08F4-42F9-BD95-A86CB01488F8}" type="datetimeFigureOut">
               <a:rPr lang="ru-RU" smtClean="0"/>
-              <a:t>04.05.2022</a:t>
+              <a:t>16.05.2022</a:t>
             </a:fld>
             <a:endParaRPr lang="ru-RU" dirty="0"/>
           </a:p>
@@ -2678,7 +2681,7 @@
           <a:p>
             <a:fld id="{1B2700B3-08F4-42F9-BD95-A86CB01488F8}" type="datetimeFigureOut">
               <a:rPr lang="ru-RU" smtClean="0"/>
-              <a:t>04.05.2022</a:t>
+              <a:t>16.05.2022</a:t>
             </a:fld>
             <a:endParaRPr lang="ru-RU" dirty="0"/>
           </a:p>
@@ -2919,7 +2922,7 @@
           <a:p>
             <a:fld id="{1B2700B3-08F4-42F9-BD95-A86CB01488F8}" type="datetimeFigureOut">
               <a:rPr lang="ru-RU" smtClean="0"/>
-              <a:t>04.05.2022</a:t>
+              <a:t>16.05.2022</a:t>
             </a:fld>
             <a:endParaRPr lang="ru-RU" dirty="0"/>
           </a:p>
@@ -3336,42 +3339,6 @@
           <a:chExt cx="0" cy="0"/>
         </a:xfrm>
       </p:grpSpPr>
-      <p:pic>
-        <p:nvPicPr>
-          <p:cNvPr id="7" name="Рисунок 6">
-            <a:extLst>
-              <a:ext uri="{FF2B5EF4-FFF2-40B4-BE49-F238E27FC236}">
-                <a16:creationId xmlns:a16="http://schemas.microsoft.com/office/drawing/2014/main" id="{8BF85049-0951-6A84-0D34-76361C45BC49}"/>
-              </a:ext>
-            </a:extLst>
-          </p:cNvPr>
-          <p:cNvPicPr>
-            <a:picLocks noChangeAspect="1"/>
-          </p:cNvPicPr>
-          <p:nvPr/>
-        </p:nvPicPr>
-        <p:blipFill>
-          <a:blip r:embed="rId2">
-            <a:extLst>
-              <a:ext uri="{28A0092B-C50C-407E-A947-70E740481C1C}">
-                <a14:useLocalDpi xmlns:a14="http://schemas.microsoft.com/office/drawing/2010/main" val="0"/>
-              </a:ext>
-            </a:extLst>
-          </a:blip>
-          <a:stretch>
-            <a:fillRect/>
-          </a:stretch>
-        </p:blipFill>
-        <p:spPr>
-          <a:xfrm>
-            <a:off x="0" y="0"/>
-            <a:ext cx="12192000" cy="6858000"/>
-          </a:xfrm>
-          <a:prstGeom prst="rect">
-            <a:avLst/>
-          </a:prstGeom>
-        </p:spPr>
-      </p:pic>
       <p:sp>
         <p:nvSpPr>
           <p:cNvPr id="2" name="Заголовок 1">
@@ -3494,7 +3461,7 @@
           <p:nvPr/>
         </p:nvPicPr>
         <p:blipFill>
-          <a:blip r:embed="rId3">
+          <a:blip r:embed="rId2">
             <a:extLst>
               <a:ext uri="{28A0092B-C50C-407E-A947-70E740481C1C}">
                 <a14:useLocalDpi xmlns:a14="http://schemas.microsoft.com/office/drawing/2010/main" val="0"/>
@@ -3509,6 +3476,78 @@
           <a:xfrm>
             <a:off x="6791750" y="1591892"/>
             <a:ext cx="3674215" cy="3674215"/>
+          </a:xfrm>
+          <a:prstGeom prst="rect">
+            <a:avLst/>
+          </a:prstGeom>
+        </p:spPr>
+      </p:pic>
+      <p:pic>
+        <p:nvPicPr>
+          <p:cNvPr id="7" name="Рисунок 6">
+            <a:extLst>
+              <a:ext uri="{FF2B5EF4-FFF2-40B4-BE49-F238E27FC236}">
+                <a16:creationId xmlns:a16="http://schemas.microsoft.com/office/drawing/2014/main" id="{3E04FCF0-5B79-4263-CE86-23565504095D}"/>
+              </a:ext>
+            </a:extLst>
+          </p:cNvPr>
+          <p:cNvPicPr>
+            <a:picLocks noChangeAspect="1"/>
+          </p:cNvPicPr>
+          <p:nvPr/>
+        </p:nvPicPr>
+        <p:blipFill>
+          <a:blip r:embed="rId3">
+            <a:extLst>
+              <a:ext uri="{28A0092B-C50C-407E-A947-70E740481C1C}">
+                <a14:useLocalDpi xmlns:a14="http://schemas.microsoft.com/office/drawing/2010/main" val="0"/>
+              </a:ext>
+            </a:extLst>
+          </a:blip>
+          <a:stretch>
+            <a:fillRect/>
+          </a:stretch>
+        </p:blipFill>
+        <p:spPr>
+          <a:xfrm>
+            <a:off x="0" y="-1"/>
+            <a:ext cx="4843662" cy="813733"/>
+          </a:xfrm>
+          <a:prstGeom prst="rect">
+            <a:avLst/>
+          </a:prstGeom>
+        </p:spPr>
+      </p:pic>
+      <p:pic>
+        <p:nvPicPr>
+          <p:cNvPr id="9" name="Рисунок 8">
+            <a:extLst>
+              <a:ext uri="{FF2B5EF4-FFF2-40B4-BE49-F238E27FC236}">
+                <a16:creationId xmlns:a16="http://schemas.microsoft.com/office/drawing/2014/main" id="{035FFB38-F59D-4738-4AFE-8F7C05B7AC6E}"/>
+              </a:ext>
+            </a:extLst>
+          </p:cNvPr>
+          <p:cNvPicPr>
+            <a:picLocks noChangeAspect="1"/>
+          </p:cNvPicPr>
+          <p:nvPr/>
+        </p:nvPicPr>
+        <p:blipFill>
+          <a:blip r:embed="rId3">
+            <a:extLst>
+              <a:ext uri="{28A0092B-C50C-407E-A947-70E740481C1C}">
+                <a14:useLocalDpi xmlns:a14="http://schemas.microsoft.com/office/drawing/2010/main" val="0"/>
+              </a:ext>
+            </a:extLst>
+          </a:blip>
+          <a:stretch>
+            <a:fillRect/>
+          </a:stretch>
+        </p:blipFill>
+        <p:spPr>
+          <a:xfrm rot="5400000">
+            <a:off x="11163087" y="5829091"/>
+            <a:ext cx="670845" cy="1386980"/>
           </a:xfrm>
           <a:prstGeom prst="rect">
             <a:avLst/>
@@ -3547,10 +3586,10 @@
       </p:grpSpPr>
       <p:pic>
         <p:nvPicPr>
-          <p:cNvPr id="7" name="Рисунок 6">
-            <a:extLst>
-              <a:ext uri="{FF2B5EF4-FFF2-40B4-BE49-F238E27FC236}">
-                <a16:creationId xmlns:a16="http://schemas.microsoft.com/office/drawing/2014/main" id="{CE981AE9-300D-01F3-89A3-536937091ED6}"/>
+          <p:cNvPr id="5" name="Рисунок 4">
+            <a:extLst>
+              <a:ext uri="{FF2B5EF4-FFF2-40B4-BE49-F238E27FC236}">
+                <a16:creationId xmlns:a16="http://schemas.microsoft.com/office/drawing/2014/main" id="{9E53A3A8-7B76-BF02-A440-D0A2EB41B625}"/>
               </a:ext>
             </a:extLst>
           </p:cNvPr>
@@ -3573,8 +3612,8 @@
         </p:blipFill>
         <p:spPr>
           <a:xfrm>
-            <a:off x="0" y="0"/>
-            <a:ext cx="12192000" cy="6858000"/>
+            <a:off x="889234" y="370262"/>
+            <a:ext cx="9404064" cy="6117475"/>
           </a:xfrm>
           <a:prstGeom prst="rect">
             <a:avLst/>
@@ -3586,7 +3625,7 @@
           <p:cNvPr id="2" name="Заголовок 1">
             <a:extLst>
               <a:ext uri="{FF2B5EF4-FFF2-40B4-BE49-F238E27FC236}">
-                <a16:creationId xmlns:a16="http://schemas.microsoft.com/office/drawing/2014/main" id="{1567C192-AD17-04EB-F8FE-8B92F1A9DDF8}"/>
+                <a16:creationId xmlns:a16="http://schemas.microsoft.com/office/drawing/2014/main" id="{4D1099CF-4E8A-7206-1639-7DD9F2E1FB6C}"/>
               </a:ext>
             </a:extLst>
           </p:cNvPr>
@@ -3599,8 +3638,8 @@
         </p:nvSpPr>
         <p:spPr>
           <a:xfrm>
-            <a:off x="779476" y="2004970"/>
-            <a:ext cx="2936847" cy="855677"/>
+            <a:off x="6433662" y="4790118"/>
+            <a:ext cx="4362975" cy="776288"/>
           </a:xfrm>
         </p:spPr>
         <p:txBody>
@@ -3611,7 +3650,7 @@
           <a:p>
             <a:r>
               <a:rPr lang="en-US" b="1" dirty="0"/>
-              <a:t>Just bot :/</a:t>
+              <a:t>Check hit</a:t>
             </a:r>
             <a:endParaRPr lang="ru-RU" b="1" dirty="0"/>
           </a:p>
@@ -3622,7 +3661,7 @@
           <p:cNvPr id="3" name="Объект 2">
             <a:extLst>
               <a:ext uri="{FF2B5EF4-FFF2-40B4-BE49-F238E27FC236}">
-                <a16:creationId xmlns:a16="http://schemas.microsoft.com/office/drawing/2014/main" id="{7EA21DC2-21C5-FD2D-BD9F-71D5A6F7183A}"/>
+                <a16:creationId xmlns:a16="http://schemas.microsoft.com/office/drawing/2014/main" id="{9618FBCA-E7AC-E590-6EFD-069C8FF2FA79}"/>
               </a:ext>
             </a:extLst>
           </p:cNvPr>
@@ -3635,8 +3674,8 @@
         </p:nvSpPr>
         <p:spPr>
           <a:xfrm>
-            <a:off x="787866" y="3165514"/>
-            <a:ext cx="3700244" cy="1322596"/>
+            <a:off x="6475607" y="5435301"/>
+            <a:ext cx="3331129" cy="590403"/>
           </a:xfrm>
         </p:spPr>
         <p:txBody>
@@ -3648,23 +3687,17 @@
             </a:pPr>
             <a:r>
               <a:rPr lang="en-US" b="1" dirty="0"/>
-              <a:t>*some text about it*</a:t>
-            </a:r>
-          </a:p>
-          <a:p>
-            <a:pPr marL="0" indent="0">
-              <a:buNone/>
-            </a:pPr>
-            <a:endParaRPr lang="ru-RU" b="1" dirty="0"/>
+              <a:t>Looking for the hit</a:t>
+            </a:r>
           </a:p>
         </p:txBody>
       </p:sp>
       <p:pic>
         <p:nvPicPr>
-          <p:cNvPr id="9" name="Рисунок 8">
-            <a:extLst>
-              <a:ext uri="{FF2B5EF4-FFF2-40B4-BE49-F238E27FC236}">
-                <a16:creationId xmlns:a16="http://schemas.microsoft.com/office/drawing/2014/main" id="{E681A04A-7710-042B-D402-95A1614E22A2}"/>
+          <p:cNvPr id="6" name="Рисунок 5">
+            <a:extLst>
+              <a:ext uri="{FF2B5EF4-FFF2-40B4-BE49-F238E27FC236}">
+                <a16:creationId xmlns:a16="http://schemas.microsoft.com/office/drawing/2014/main" id="{C7DBC4A0-7FB1-5C45-459F-8801438EAB8D}"/>
               </a:ext>
             </a:extLst>
           </p:cNvPr>
@@ -3686,9 +3719,45 @@
           </a:stretch>
         </p:blipFill>
         <p:spPr>
-          <a:xfrm>
-            <a:off x="5275976" y="1081381"/>
-            <a:ext cx="5180952" cy="4695238"/>
+          <a:xfrm rot="5400000">
+            <a:off x="10191926" y="4857926"/>
+            <a:ext cx="1950438" cy="2049711"/>
+          </a:xfrm>
+          <a:prstGeom prst="rect">
+            <a:avLst/>
+          </a:prstGeom>
+        </p:spPr>
+      </p:pic>
+      <p:pic>
+        <p:nvPicPr>
+          <p:cNvPr id="7" name="Рисунок 6">
+            <a:extLst>
+              <a:ext uri="{FF2B5EF4-FFF2-40B4-BE49-F238E27FC236}">
+                <a16:creationId xmlns:a16="http://schemas.microsoft.com/office/drawing/2014/main" id="{9D6303CF-BB63-C312-EC8D-73CA72467144}"/>
+              </a:ext>
+            </a:extLst>
+          </p:cNvPr>
+          <p:cNvPicPr>
+            <a:picLocks noChangeAspect="1"/>
+          </p:cNvPicPr>
+          <p:nvPr/>
+        </p:nvPicPr>
+        <p:blipFill>
+          <a:blip r:embed="rId3">
+            <a:extLst>
+              <a:ext uri="{28A0092B-C50C-407E-A947-70E740481C1C}">
+                <a14:useLocalDpi xmlns:a14="http://schemas.microsoft.com/office/drawing/2010/main" val="0"/>
+              </a:ext>
+            </a:extLst>
+          </a:blip>
+          <a:stretch>
+            <a:fillRect/>
+          </a:stretch>
+        </p:blipFill>
+        <p:spPr>
+          <a:xfrm rot="5400000">
+            <a:off x="8875551" y="-2779551"/>
+            <a:ext cx="536898" cy="6096000"/>
           </a:xfrm>
           <a:prstGeom prst="rect">
             <a:avLst/>
@@ -3698,7 +3767,7 @@
     </p:spTree>
     <p:extLst>
       <p:ext uri="{BB962C8B-B14F-4D97-AF65-F5344CB8AC3E}">
-        <p14:creationId xmlns:p14="http://schemas.microsoft.com/office/powerpoint/2010/main" val="3927495181"/>
+        <p14:creationId xmlns:p14="http://schemas.microsoft.com/office/powerpoint/2010/main" val="905351416"/>
       </p:ext>
     </p:extLst>
   </p:cSld>
@@ -3730,6 +3799,639 @@
           <p:cNvPr id="2" name="Заголовок 1">
             <a:extLst>
               <a:ext uri="{FF2B5EF4-FFF2-40B4-BE49-F238E27FC236}">
+                <a16:creationId xmlns:a16="http://schemas.microsoft.com/office/drawing/2014/main" id="{4D1099CF-4E8A-7206-1639-7DD9F2E1FB6C}"/>
+              </a:ext>
+            </a:extLst>
+          </p:cNvPr>
+          <p:cNvSpPr>
+            <a:spLocks noGrp="1"/>
+          </p:cNvSpPr>
+          <p:nvPr>
+            <p:ph type="title"/>
+          </p:nvPr>
+        </p:nvSpPr>
+        <p:spPr>
+          <a:xfrm>
+            <a:off x="551872" y="3519142"/>
+            <a:ext cx="4539138" cy="776288"/>
+          </a:xfrm>
+        </p:spPr>
+        <p:txBody>
+          <a:bodyPr>
+            <a:normAutofit/>
+          </a:bodyPr>
+          <a:lstStyle/>
+          <a:p>
+            <a:r>
+              <a:rPr lang="en-US" b="1" dirty="0"/>
+              <a:t>Bats movement</a:t>
+            </a:r>
+            <a:endParaRPr lang="ru-RU" b="1" dirty="0"/>
+          </a:p>
+        </p:txBody>
+      </p:sp>
+      <p:sp>
+        <p:nvSpPr>
+          <p:cNvPr id="3" name="Объект 2">
+            <a:extLst>
+              <a:ext uri="{FF2B5EF4-FFF2-40B4-BE49-F238E27FC236}">
+                <a16:creationId xmlns:a16="http://schemas.microsoft.com/office/drawing/2014/main" id="{9618FBCA-E7AC-E590-6EFD-069C8FF2FA79}"/>
+              </a:ext>
+            </a:extLst>
+          </p:cNvPr>
+          <p:cNvSpPr>
+            <a:spLocks noGrp="1"/>
+          </p:cNvSpPr>
+          <p:nvPr>
+            <p:ph idx="1"/>
+          </p:nvPr>
+        </p:nvSpPr>
+        <p:spPr>
+          <a:xfrm>
+            <a:off x="593817" y="4164325"/>
+            <a:ext cx="3331129" cy="590403"/>
+          </a:xfrm>
+        </p:spPr>
+        <p:txBody>
+          <a:bodyPr/>
+          <a:lstStyle/>
+          <a:p>
+            <a:pPr marL="0" indent="0">
+              <a:buNone/>
+            </a:pPr>
+            <a:r>
+              <a:rPr lang="en-US" b="1" dirty="0"/>
+              <a:t>Player and CdM-8</a:t>
+            </a:r>
+          </a:p>
+        </p:txBody>
+      </p:sp>
+      <p:pic>
+        <p:nvPicPr>
+          <p:cNvPr id="6" name="Рисунок 5">
+            <a:extLst>
+              <a:ext uri="{FF2B5EF4-FFF2-40B4-BE49-F238E27FC236}">
+                <a16:creationId xmlns:a16="http://schemas.microsoft.com/office/drawing/2014/main" id="{B2167A8A-13C5-EDEC-A14D-84ECC0295DBD}"/>
+              </a:ext>
+            </a:extLst>
+          </p:cNvPr>
+          <p:cNvPicPr>
+            <a:picLocks noChangeAspect="1"/>
+          </p:cNvPicPr>
+          <p:nvPr/>
+        </p:nvPicPr>
+        <p:blipFill>
+          <a:blip r:embed="rId2">
+            <a:extLst>
+              <a:ext uri="{28A0092B-C50C-407E-A947-70E740481C1C}">
+                <a14:useLocalDpi xmlns:a14="http://schemas.microsoft.com/office/drawing/2010/main" val="0"/>
+              </a:ext>
+            </a:extLst>
+          </a:blip>
+          <a:stretch>
+            <a:fillRect/>
+          </a:stretch>
+        </p:blipFill>
+        <p:spPr>
+          <a:xfrm>
+            <a:off x="4743680" y="3685374"/>
+            <a:ext cx="7046752" cy="3077126"/>
+          </a:xfrm>
+          <a:prstGeom prst="rect">
+            <a:avLst/>
+          </a:prstGeom>
+        </p:spPr>
+      </p:pic>
+      <p:pic>
+        <p:nvPicPr>
+          <p:cNvPr id="8" name="Рисунок 7">
+            <a:extLst>
+              <a:ext uri="{FF2B5EF4-FFF2-40B4-BE49-F238E27FC236}">
+                <a16:creationId xmlns:a16="http://schemas.microsoft.com/office/drawing/2014/main" id="{1B99E814-4210-9F3B-47AB-F63BD3E66616}"/>
+              </a:ext>
+            </a:extLst>
+          </p:cNvPr>
+          <p:cNvPicPr>
+            <a:picLocks noChangeAspect="1"/>
+          </p:cNvPicPr>
+          <p:nvPr/>
+        </p:nvPicPr>
+        <p:blipFill>
+          <a:blip r:embed="rId3">
+            <a:extLst>
+              <a:ext uri="{28A0092B-C50C-407E-A947-70E740481C1C}">
+                <a14:useLocalDpi xmlns:a14="http://schemas.microsoft.com/office/drawing/2010/main" val="0"/>
+              </a:ext>
+            </a:extLst>
+          </a:blip>
+          <a:stretch>
+            <a:fillRect/>
+          </a:stretch>
+        </p:blipFill>
+        <p:spPr>
+          <a:xfrm>
+            <a:off x="515947" y="442016"/>
+            <a:ext cx="8455466" cy="3077126"/>
+          </a:xfrm>
+          <a:prstGeom prst="rect">
+            <a:avLst/>
+          </a:prstGeom>
+        </p:spPr>
+      </p:pic>
+      <p:pic>
+        <p:nvPicPr>
+          <p:cNvPr id="7" name="Рисунок 6">
+            <a:extLst>
+              <a:ext uri="{FF2B5EF4-FFF2-40B4-BE49-F238E27FC236}">
+                <a16:creationId xmlns:a16="http://schemas.microsoft.com/office/drawing/2014/main" id="{FF9317AF-A044-BD9F-7FCC-2E7FA7976D53}"/>
+              </a:ext>
+            </a:extLst>
+          </p:cNvPr>
+          <p:cNvPicPr>
+            <a:picLocks noChangeAspect="1"/>
+          </p:cNvPicPr>
+          <p:nvPr/>
+        </p:nvPicPr>
+        <p:blipFill>
+          <a:blip r:embed="rId4">
+            <a:extLst>
+              <a:ext uri="{28A0092B-C50C-407E-A947-70E740481C1C}">
+                <a14:useLocalDpi xmlns:a14="http://schemas.microsoft.com/office/drawing/2010/main" val="0"/>
+              </a:ext>
+            </a:extLst>
+          </a:blip>
+          <a:stretch>
+            <a:fillRect/>
+          </a:stretch>
+        </p:blipFill>
+        <p:spPr>
+          <a:xfrm rot="5400000">
+            <a:off x="9237673" y="871059"/>
+            <a:ext cx="3825383" cy="2083263"/>
+          </a:xfrm>
+          <a:prstGeom prst="rect">
+            <a:avLst/>
+          </a:prstGeom>
+        </p:spPr>
+      </p:pic>
+      <p:pic>
+        <p:nvPicPr>
+          <p:cNvPr id="9" name="Рисунок 8">
+            <a:extLst>
+              <a:ext uri="{FF2B5EF4-FFF2-40B4-BE49-F238E27FC236}">
+                <a16:creationId xmlns:a16="http://schemas.microsoft.com/office/drawing/2014/main" id="{C593322D-18F4-95E9-5F55-6562C1387D61}"/>
+              </a:ext>
+            </a:extLst>
+          </p:cNvPr>
+          <p:cNvPicPr>
+            <a:picLocks noChangeAspect="1"/>
+          </p:cNvPicPr>
+          <p:nvPr/>
+        </p:nvPicPr>
+        <p:blipFill>
+          <a:blip r:embed="rId4">
+            <a:extLst>
+              <a:ext uri="{28A0092B-C50C-407E-A947-70E740481C1C}">
+                <a14:useLocalDpi xmlns:a14="http://schemas.microsoft.com/office/drawing/2010/main" val="0"/>
+              </a:ext>
+            </a:extLst>
+          </a:blip>
+          <a:stretch>
+            <a:fillRect/>
+          </a:stretch>
+        </p:blipFill>
+        <p:spPr>
+          <a:xfrm rot="5400000">
+            <a:off x="1302391" y="4578293"/>
+            <a:ext cx="977315" cy="3582099"/>
+          </a:xfrm>
+          <a:prstGeom prst="rect">
+            <a:avLst/>
+          </a:prstGeom>
+        </p:spPr>
+      </p:pic>
+    </p:spTree>
+    <p:extLst>
+      <p:ext uri="{BB962C8B-B14F-4D97-AF65-F5344CB8AC3E}">
+        <p14:creationId xmlns:p14="http://schemas.microsoft.com/office/powerpoint/2010/main" val="2840171964"/>
+      </p:ext>
+    </p:extLst>
+  </p:cSld>
+  <p:clrMapOvr>
+    <a:masterClrMapping/>
+  </p:clrMapOvr>
+</p:sld>
+</file>
+
+<file path=ppt/slides/slide12.xml><?xml version="1.0" encoding="utf-8"?>
+<p:sld xmlns:a="http://schemas.openxmlformats.org/drawingml/2006/main" xmlns:r="http://schemas.openxmlformats.org/officeDocument/2006/relationships" xmlns:p="http://schemas.openxmlformats.org/presentationml/2006/main">
+  <p:cSld>
+    <p:spTree>
+      <p:nvGrpSpPr>
+        <p:cNvPr id="1" name=""/>
+        <p:cNvGrpSpPr/>
+        <p:nvPr/>
+      </p:nvGrpSpPr>
+      <p:grpSpPr>
+        <a:xfrm>
+          <a:off x="0" y="0"/>
+          <a:ext cx="0" cy="0"/>
+          <a:chOff x="0" y="0"/>
+          <a:chExt cx="0" cy="0"/>
+        </a:xfrm>
+      </p:grpSpPr>
+      <p:sp>
+        <p:nvSpPr>
+          <p:cNvPr id="2" name="Заголовок 1">
+            <a:extLst>
+              <a:ext uri="{FF2B5EF4-FFF2-40B4-BE49-F238E27FC236}">
+                <a16:creationId xmlns:a16="http://schemas.microsoft.com/office/drawing/2014/main" id="{33A9D202-A504-BD9A-24B1-C3047EBC0527}"/>
+              </a:ext>
+            </a:extLst>
+          </p:cNvPr>
+          <p:cNvSpPr>
+            <a:spLocks noGrp="1"/>
+          </p:cNvSpPr>
+          <p:nvPr>
+            <p:ph type="title"/>
+          </p:nvPr>
+        </p:nvSpPr>
+        <p:spPr>
+          <a:xfrm>
+            <a:off x="3852469" y="2699158"/>
+            <a:ext cx="4487061" cy="1459684"/>
+          </a:xfrm>
+        </p:spPr>
+        <p:txBody>
+          <a:bodyPr>
+            <a:normAutofit/>
+          </a:bodyPr>
+          <a:lstStyle/>
+          <a:p>
+            <a:r>
+              <a:rPr lang="en-US" sz="8000" b="1" dirty="0"/>
+              <a:t>Software</a:t>
+            </a:r>
+            <a:endParaRPr lang="ru-RU" sz="8000" b="1" dirty="0"/>
+          </a:p>
+        </p:txBody>
+      </p:sp>
+      <p:pic>
+        <p:nvPicPr>
+          <p:cNvPr id="3" name="Рисунок 2">
+            <a:extLst>
+              <a:ext uri="{FF2B5EF4-FFF2-40B4-BE49-F238E27FC236}">
+                <a16:creationId xmlns:a16="http://schemas.microsoft.com/office/drawing/2014/main" id="{1BD26FC7-7153-0A9F-B1E1-107250E1FF8E}"/>
+              </a:ext>
+            </a:extLst>
+          </p:cNvPr>
+          <p:cNvPicPr>
+            <a:picLocks noChangeAspect="1"/>
+          </p:cNvPicPr>
+          <p:nvPr/>
+        </p:nvPicPr>
+        <p:blipFill>
+          <a:blip r:embed="rId2">
+            <a:extLst>
+              <a:ext uri="{28A0092B-C50C-407E-A947-70E740481C1C}">
+                <a14:useLocalDpi xmlns:a14="http://schemas.microsoft.com/office/drawing/2010/main" val="0"/>
+              </a:ext>
+            </a:extLst>
+          </a:blip>
+          <a:stretch>
+            <a:fillRect/>
+          </a:stretch>
+        </p:blipFill>
+        <p:spPr>
+          <a:xfrm rot="5400000">
+            <a:off x="880843" y="-880844"/>
+            <a:ext cx="1820411" cy="3582099"/>
+          </a:xfrm>
+          <a:prstGeom prst="rect">
+            <a:avLst/>
+          </a:prstGeom>
+        </p:spPr>
+      </p:pic>
+      <p:pic>
+        <p:nvPicPr>
+          <p:cNvPr id="4" name="Рисунок 3">
+            <a:extLst>
+              <a:ext uri="{FF2B5EF4-FFF2-40B4-BE49-F238E27FC236}">
+                <a16:creationId xmlns:a16="http://schemas.microsoft.com/office/drawing/2014/main" id="{F358B15C-CF69-42F6-06A4-55BC12604801}"/>
+              </a:ext>
+            </a:extLst>
+          </p:cNvPr>
+          <p:cNvPicPr>
+            <a:picLocks noChangeAspect="1"/>
+          </p:cNvPicPr>
+          <p:nvPr/>
+        </p:nvPicPr>
+        <p:blipFill>
+          <a:blip r:embed="rId2">
+            <a:extLst>
+              <a:ext uri="{28A0092B-C50C-407E-A947-70E740481C1C}">
+                <a14:useLocalDpi xmlns:a14="http://schemas.microsoft.com/office/drawing/2010/main" val="0"/>
+              </a:ext>
+            </a:extLst>
+          </a:blip>
+          <a:stretch>
+            <a:fillRect/>
+          </a:stretch>
+        </p:blipFill>
+        <p:spPr>
+          <a:xfrm rot="5400000">
+            <a:off x="8979713" y="3645717"/>
+            <a:ext cx="5037591" cy="1386980"/>
+          </a:xfrm>
+          <a:prstGeom prst="rect">
+            <a:avLst/>
+          </a:prstGeom>
+        </p:spPr>
+      </p:pic>
+    </p:spTree>
+    <p:extLst>
+      <p:ext uri="{BB962C8B-B14F-4D97-AF65-F5344CB8AC3E}">
+        <p14:creationId xmlns:p14="http://schemas.microsoft.com/office/powerpoint/2010/main" val="3214690833"/>
+      </p:ext>
+    </p:extLst>
+  </p:cSld>
+  <p:clrMapOvr>
+    <a:masterClrMapping/>
+  </p:clrMapOvr>
+</p:sld>
+</file>
+
+<file path=ppt/slides/slide13.xml><?xml version="1.0" encoding="utf-8"?>
+<p:sld xmlns:a="http://schemas.openxmlformats.org/drawingml/2006/main" xmlns:r="http://schemas.openxmlformats.org/officeDocument/2006/relationships" xmlns:p="http://schemas.openxmlformats.org/presentationml/2006/main">
+  <p:cSld>
+    <p:spTree>
+      <p:nvGrpSpPr>
+        <p:cNvPr id="1" name=""/>
+        <p:cNvGrpSpPr/>
+        <p:nvPr/>
+      </p:nvGrpSpPr>
+      <p:grpSpPr>
+        <a:xfrm>
+          <a:off x="0" y="0"/>
+          <a:ext cx="0" cy="0"/>
+          <a:chOff x="0" y="0"/>
+          <a:chExt cx="0" cy="0"/>
+        </a:xfrm>
+      </p:grpSpPr>
+      <p:sp>
+        <p:nvSpPr>
+          <p:cNvPr id="2" name="Заголовок 1">
+            <a:extLst>
+              <a:ext uri="{FF2B5EF4-FFF2-40B4-BE49-F238E27FC236}">
+                <a16:creationId xmlns:a16="http://schemas.microsoft.com/office/drawing/2014/main" id="{1567C192-AD17-04EB-F8FE-8B92F1A9DDF8}"/>
+              </a:ext>
+            </a:extLst>
+          </p:cNvPr>
+          <p:cNvSpPr>
+            <a:spLocks noGrp="1"/>
+          </p:cNvSpPr>
+          <p:nvPr>
+            <p:ph type="title"/>
+          </p:nvPr>
+        </p:nvSpPr>
+        <p:spPr>
+          <a:xfrm>
+            <a:off x="5401811" y="4298027"/>
+            <a:ext cx="3633132" cy="855677"/>
+          </a:xfrm>
+        </p:spPr>
+        <p:txBody>
+          <a:bodyPr>
+            <a:normAutofit fontScale="90000"/>
+          </a:bodyPr>
+          <a:lstStyle/>
+          <a:p>
+            <a:r>
+              <a:rPr lang="en-US" b="1" dirty="0"/>
+              <a:t>Bot algorithm</a:t>
+            </a:r>
+            <a:endParaRPr lang="ru-RU" b="1" dirty="0"/>
+          </a:p>
+        </p:txBody>
+      </p:sp>
+      <p:sp>
+        <p:nvSpPr>
+          <p:cNvPr id="3" name="Объект 2">
+            <a:extLst>
+              <a:ext uri="{FF2B5EF4-FFF2-40B4-BE49-F238E27FC236}">
+                <a16:creationId xmlns:a16="http://schemas.microsoft.com/office/drawing/2014/main" id="{7EA21DC2-21C5-FD2D-BD9F-71D5A6F7183A}"/>
+              </a:ext>
+            </a:extLst>
+          </p:cNvPr>
+          <p:cNvSpPr>
+            <a:spLocks noGrp="1"/>
+          </p:cNvSpPr>
+          <p:nvPr>
+            <p:ph idx="1"/>
+          </p:nvPr>
+        </p:nvSpPr>
+        <p:spPr>
+          <a:xfrm>
+            <a:off x="5443755" y="5069814"/>
+            <a:ext cx="5755547" cy="685033"/>
+          </a:xfrm>
+        </p:spPr>
+        <p:txBody>
+          <a:bodyPr>
+            <a:normAutofit fontScale="92500"/>
+          </a:bodyPr>
+          <a:lstStyle/>
+          <a:p>
+            <a:pPr marL="0" indent="0">
+              <a:buNone/>
+            </a:pPr>
+            <a:r>
+              <a:rPr lang="es-ES" b="1" dirty="0"/>
+              <a:t>255 - (y + (240 - x) / vx * vy - 255)</a:t>
+            </a:r>
+            <a:endParaRPr lang="ru-RU" b="1" dirty="0"/>
+          </a:p>
+        </p:txBody>
+      </p:sp>
+      <p:pic>
+        <p:nvPicPr>
+          <p:cNvPr id="7" name="Рисунок 6">
+            <a:extLst>
+              <a:ext uri="{FF2B5EF4-FFF2-40B4-BE49-F238E27FC236}">
+                <a16:creationId xmlns:a16="http://schemas.microsoft.com/office/drawing/2014/main" id="{AB1F0BA1-5945-55F2-679B-58C2C2098246}"/>
+              </a:ext>
+            </a:extLst>
+          </p:cNvPr>
+          <p:cNvPicPr>
+            <a:picLocks noChangeAspect="1"/>
+          </p:cNvPicPr>
+          <p:nvPr/>
+        </p:nvPicPr>
+        <p:blipFill>
+          <a:blip r:embed="rId2">
+            <a:extLst>
+              <a:ext uri="{28A0092B-C50C-407E-A947-70E740481C1C}">
+                <a14:useLocalDpi xmlns:a14="http://schemas.microsoft.com/office/drawing/2010/main" val="0"/>
+              </a:ext>
+            </a:extLst>
+          </a:blip>
+          <a:stretch>
+            <a:fillRect/>
+          </a:stretch>
+        </p:blipFill>
+        <p:spPr>
+          <a:xfrm>
+            <a:off x="1118964" y="283715"/>
+            <a:ext cx="3436258" cy="6290569"/>
+          </a:xfrm>
+          <a:prstGeom prst="rect">
+            <a:avLst/>
+          </a:prstGeom>
+        </p:spPr>
+      </p:pic>
+      <p:pic>
+        <p:nvPicPr>
+          <p:cNvPr id="5" name="Рисунок 4">
+            <a:extLst>
+              <a:ext uri="{FF2B5EF4-FFF2-40B4-BE49-F238E27FC236}">
+                <a16:creationId xmlns:a16="http://schemas.microsoft.com/office/drawing/2014/main" id="{17A12DAA-74F0-4BDE-934D-D7D678E6B6A9}"/>
+              </a:ext>
+            </a:extLst>
+          </p:cNvPr>
+          <p:cNvPicPr>
+            <a:picLocks noChangeAspect="1"/>
+          </p:cNvPicPr>
+          <p:nvPr/>
+        </p:nvPicPr>
+        <p:blipFill>
+          <a:blip r:embed="rId3">
+            <a:extLst>
+              <a:ext uri="{28A0092B-C50C-407E-A947-70E740481C1C}">
+                <a14:useLocalDpi xmlns:a14="http://schemas.microsoft.com/office/drawing/2010/main" val="0"/>
+              </a:ext>
+            </a:extLst>
+          </a:blip>
+          <a:stretch>
+            <a:fillRect/>
+          </a:stretch>
+        </p:blipFill>
+        <p:spPr>
+          <a:xfrm>
+            <a:off x="6925403" y="1105243"/>
+            <a:ext cx="2792249" cy="2591641"/>
+          </a:xfrm>
+          <a:prstGeom prst="rect">
+            <a:avLst/>
+          </a:prstGeom>
+        </p:spPr>
+      </p:pic>
+      <p:pic>
+        <p:nvPicPr>
+          <p:cNvPr id="8" name="Рисунок 7">
+            <a:extLst>
+              <a:ext uri="{FF2B5EF4-FFF2-40B4-BE49-F238E27FC236}">
+                <a16:creationId xmlns:a16="http://schemas.microsoft.com/office/drawing/2014/main" id="{6F6BA5F4-AFC7-D84C-6825-454EED8E3C9D}"/>
+              </a:ext>
+            </a:extLst>
+          </p:cNvPr>
+          <p:cNvPicPr>
+            <a:picLocks noChangeAspect="1"/>
+          </p:cNvPicPr>
+          <p:nvPr/>
+        </p:nvPicPr>
+        <p:blipFill>
+          <a:blip r:embed="rId4">
+            <a:extLst>
+              <a:ext uri="{28A0092B-C50C-407E-A947-70E740481C1C}">
+                <a14:useLocalDpi xmlns:a14="http://schemas.microsoft.com/office/drawing/2010/main" val="0"/>
+              </a:ext>
+            </a:extLst>
+          </a:blip>
+          <a:stretch>
+            <a:fillRect/>
+          </a:stretch>
+        </p:blipFill>
+        <p:spPr>
+          <a:xfrm rot="5400000">
+            <a:off x="10844167" y="-39146"/>
+            <a:ext cx="1308686" cy="1386980"/>
+          </a:xfrm>
+          <a:prstGeom prst="rect">
+            <a:avLst/>
+          </a:prstGeom>
+        </p:spPr>
+      </p:pic>
+      <p:pic>
+        <p:nvPicPr>
+          <p:cNvPr id="9" name="Рисунок 8">
+            <a:extLst>
+              <a:ext uri="{FF2B5EF4-FFF2-40B4-BE49-F238E27FC236}">
+                <a16:creationId xmlns:a16="http://schemas.microsoft.com/office/drawing/2014/main" id="{679D5255-42EB-7B6B-B90C-88D47EDF487C}"/>
+              </a:ext>
+            </a:extLst>
+          </p:cNvPr>
+          <p:cNvPicPr>
+            <a:picLocks noChangeAspect="1"/>
+          </p:cNvPicPr>
+          <p:nvPr/>
+        </p:nvPicPr>
+        <p:blipFill>
+          <a:blip r:embed="rId4">
+            <a:extLst>
+              <a:ext uri="{28A0092B-C50C-407E-A947-70E740481C1C}">
+                <a14:useLocalDpi xmlns:a14="http://schemas.microsoft.com/office/drawing/2010/main" val="0"/>
+              </a:ext>
+            </a:extLst>
+          </a:blip>
+          <a:stretch>
+            <a:fillRect/>
+          </a:stretch>
+        </p:blipFill>
+        <p:spPr>
+          <a:xfrm rot="5400000">
+            <a:off x="7945771" y="2611777"/>
+            <a:ext cx="855677" cy="7636777"/>
+          </a:xfrm>
+          <a:prstGeom prst="rect">
+            <a:avLst/>
+          </a:prstGeom>
+        </p:spPr>
+      </p:pic>
+    </p:spTree>
+    <p:extLst>
+      <p:ext uri="{BB962C8B-B14F-4D97-AF65-F5344CB8AC3E}">
+        <p14:creationId xmlns:p14="http://schemas.microsoft.com/office/powerpoint/2010/main" val="3927495181"/>
+      </p:ext>
+    </p:extLst>
+  </p:cSld>
+  <p:clrMapOvr>
+    <a:masterClrMapping/>
+  </p:clrMapOvr>
+</p:sld>
+</file>
+
+<file path=ppt/slides/slide14.xml><?xml version="1.0" encoding="utf-8"?>
+<p:sld xmlns:a="http://schemas.openxmlformats.org/drawingml/2006/main" xmlns:r="http://schemas.openxmlformats.org/officeDocument/2006/relationships" xmlns:p="http://schemas.openxmlformats.org/presentationml/2006/main">
+  <p:cSld>
+    <p:spTree>
+      <p:nvGrpSpPr>
+        <p:cNvPr id="1" name=""/>
+        <p:cNvGrpSpPr/>
+        <p:nvPr/>
+      </p:nvGrpSpPr>
+      <p:grpSpPr>
+        <a:xfrm>
+          <a:off x="0" y="0"/>
+          <a:ext cx="0" cy="0"/>
+          <a:chOff x="0" y="0"/>
+          <a:chExt cx="0" cy="0"/>
+        </a:xfrm>
+      </p:grpSpPr>
+      <p:sp>
+        <p:nvSpPr>
+          <p:cNvPr id="2" name="Заголовок 1">
+            <a:extLst>
+              <a:ext uri="{FF2B5EF4-FFF2-40B4-BE49-F238E27FC236}">
                 <a16:creationId xmlns:a16="http://schemas.microsoft.com/office/drawing/2014/main" id="{33258029-A9C1-B764-7234-5464923FA4A0}"/>
               </a:ext>
             </a:extLst>
@@ -3743,7 +4445,7 @@
         </p:nvSpPr>
         <p:spPr>
           <a:xfrm>
-            <a:off x="838201" y="788565"/>
+            <a:off x="771089" y="1359017"/>
             <a:ext cx="3347906" cy="902123"/>
           </a:xfrm>
         </p:spPr>
@@ -3775,7 +4477,12 @@
             <p:ph idx="1"/>
           </p:nvPr>
         </p:nvSpPr>
-        <p:spPr/>
+        <p:spPr>
+          <a:xfrm>
+            <a:off x="787866" y="2103991"/>
+            <a:ext cx="5696824" cy="3441133"/>
+          </a:xfrm>
+        </p:spPr>
         <p:txBody>
           <a:bodyPr/>
           <a:lstStyle/>
@@ -3785,7 +4492,7 @@
             </a:pPr>
             <a:r>
               <a:rPr lang="en-US" b="1" dirty="0"/>
-              <a:t>To summarize:</a:t>
+              <a:t>It works. We used almost everything we have been taught through entire “Digital platforms” course. It was interesting and helpful experience of working in team.</a:t>
             </a:r>
           </a:p>
           <a:p>
@@ -3794,9 +4501,125 @@
             </a:pPr>
             <a:r>
               <a:rPr lang="en-US" b="1" dirty="0"/>
-              <a:t>We </a:t>
+              <a:t>Now we ready to answer your questions.</a:t>
             </a:r>
             <a:endParaRPr lang="ru-RU" b="1" dirty="0"/>
+          </a:p>
+        </p:txBody>
+      </p:sp>
+      <p:pic>
+        <p:nvPicPr>
+          <p:cNvPr id="6" name="Рисунок 5">
+            <a:extLst>
+              <a:ext uri="{FF2B5EF4-FFF2-40B4-BE49-F238E27FC236}">
+                <a16:creationId xmlns:a16="http://schemas.microsoft.com/office/drawing/2014/main" id="{3E38E6C9-6DAB-61DF-DDEE-BAB47DEAEC98}"/>
+              </a:ext>
+            </a:extLst>
+          </p:cNvPr>
+          <p:cNvPicPr>
+            <a:picLocks noChangeAspect="1"/>
+          </p:cNvPicPr>
+          <p:nvPr/>
+        </p:nvPicPr>
+        <p:blipFill>
+          <a:blip r:embed="rId2">
+            <a:extLst>
+              <a:ext uri="{28A0092B-C50C-407E-A947-70E740481C1C}">
+                <a14:useLocalDpi xmlns:a14="http://schemas.microsoft.com/office/drawing/2010/main" val="0"/>
+              </a:ext>
+            </a:extLst>
+          </a:blip>
+          <a:stretch>
+            <a:fillRect/>
+          </a:stretch>
+        </p:blipFill>
+        <p:spPr>
+          <a:xfrm rot="5400000">
+            <a:off x="7794769" y="-3239547"/>
+            <a:ext cx="1157683" cy="7636779"/>
+          </a:xfrm>
+          <a:prstGeom prst="rect">
+            <a:avLst/>
+          </a:prstGeom>
+        </p:spPr>
+      </p:pic>
+      <p:pic>
+        <p:nvPicPr>
+          <p:cNvPr id="7" name="Рисунок 6">
+            <a:extLst>
+              <a:ext uri="{FF2B5EF4-FFF2-40B4-BE49-F238E27FC236}">
+                <a16:creationId xmlns:a16="http://schemas.microsoft.com/office/drawing/2014/main" id="{8659078E-4624-E0AC-9CE8-E6E201EEB10A}"/>
+              </a:ext>
+            </a:extLst>
+          </p:cNvPr>
+          <p:cNvPicPr>
+            <a:picLocks noChangeAspect="1"/>
+          </p:cNvPicPr>
+          <p:nvPr/>
+        </p:nvPicPr>
+        <p:blipFill>
+          <a:blip r:embed="rId2">
+            <a:extLst>
+              <a:ext uri="{28A0092B-C50C-407E-A947-70E740481C1C}">
+                <a14:useLocalDpi xmlns:a14="http://schemas.microsoft.com/office/drawing/2010/main" val="0"/>
+              </a:ext>
+            </a:extLst>
+          </a:blip>
+          <a:stretch>
+            <a:fillRect/>
+          </a:stretch>
+        </p:blipFill>
+        <p:spPr>
+          <a:xfrm rot="5400000">
+            <a:off x="8346345" y="3012353"/>
+            <a:ext cx="3762463" cy="3928842"/>
+          </a:xfrm>
+          <a:prstGeom prst="rect">
+            <a:avLst/>
+          </a:prstGeom>
+        </p:spPr>
+      </p:pic>
+      <p:sp>
+        <p:nvSpPr>
+          <p:cNvPr id="8" name="TextBox 7">
+            <a:extLst>
+              <a:ext uri="{FF2B5EF4-FFF2-40B4-BE49-F238E27FC236}">
+                <a16:creationId xmlns:a16="http://schemas.microsoft.com/office/drawing/2014/main" id="{64C7B263-1874-CAB1-3E67-047D00D47104}"/>
+              </a:ext>
+            </a:extLst>
+          </p:cNvPr>
+          <p:cNvSpPr txBox="1"/>
+          <p:nvPr/>
+        </p:nvSpPr>
+        <p:spPr>
+          <a:xfrm>
+            <a:off x="9527095" y="4468942"/>
+            <a:ext cx="1400961" cy="1015663"/>
+          </a:xfrm>
+          <a:prstGeom prst="rect">
+            <a:avLst/>
+          </a:prstGeom>
+          <a:noFill/>
+        </p:spPr>
+        <p:txBody>
+          <a:bodyPr wrap="square" rtlCol="0">
+            <a:spAutoFit/>
+          </a:bodyPr>
+          <a:lstStyle/>
+          <a:p>
+            <a:r>
+              <a:rPr lang="en-US" sz="6000" b="1" dirty="0">
+                <a:solidFill>
+                  <a:srgbClr val="E2EFD9"/>
+                </a:solidFill>
+              </a:rPr>
+              <a:t>Fin.</a:t>
+            </a:r>
+            <a:endParaRPr lang="ru-RU" sz="6000" b="1" dirty="0">
+              <a:solidFill>
+                <a:srgbClr val="E2EFD9"/>
+              </a:solidFill>
+            </a:endParaRPr>
           </a:p>
         </p:txBody>
       </p:sp>
@@ -3830,12 +4653,92 @@
           <a:chExt cx="0" cy="0"/>
         </a:xfrm>
       </p:grpSpPr>
+      <p:sp>
+        <p:nvSpPr>
+          <p:cNvPr id="2" name="Заголовок 1">
+            <a:extLst>
+              <a:ext uri="{FF2B5EF4-FFF2-40B4-BE49-F238E27FC236}">
+                <a16:creationId xmlns:a16="http://schemas.microsoft.com/office/drawing/2014/main" id="{2DC1A382-1391-A122-3B65-276FD8F482AC}"/>
+              </a:ext>
+            </a:extLst>
+          </p:cNvPr>
+          <p:cNvSpPr>
+            <a:spLocks noGrp="1"/>
+          </p:cNvSpPr>
+          <p:nvPr>
+            <p:ph type="title"/>
+          </p:nvPr>
+        </p:nvSpPr>
+        <p:spPr>
+          <a:xfrm>
+            <a:off x="1172815" y="832779"/>
+            <a:ext cx="3733800" cy="801456"/>
+          </a:xfrm>
+        </p:spPr>
+        <p:txBody>
+          <a:bodyPr/>
+          <a:lstStyle/>
+          <a:p>
+            <a:r>
+              <a:rPr lang="en-US" b="1" dirty="0"/>
+              <a:t>Introduction</a:t>
+            </a:r>
+            <a:endParaRPr lang="ru-RU" b="1" dirty="0"/>
+          </a:p>
+        </p:txBody>
+      </p:sp>
+      <p:sp>
+        <p:nvSpPr>
+          <p:cNvPr id="3" name="Объект 2">
+            <a:extLst>
+              <a:ext uri="{FF2B5EF4-FFF2-40B4-BE49-F238E27FC236}">
+                <a16:creationId xmlns:a16="http://schemas.microsoft.com/office/drawing/2014/main" id="{7C7509B7-AA1E-C0BA-8DE1-A6E043EFF224}"/>
+              </a:ext>
+            </a:extLst>
+          </p:cNvPr>
+          <p:cNvSpPr>
+            <a:spLocks noGrp="1"/>
+          </p:cNvSpPr>
+          <p:nvPr>
+            <p:ph idx="1"/>
+          </p:nvPr>
+        </p:nvSpPr>
+        <p:spPr>
+          <a:xfrm>
+            <a:off x="1206371" y="1734904"/>
+            <a:ext cx="4673367" cy="3770543"/>
+          </a:xfrm>
+        </p:spPr>
+        <p:txBody>
+          <a:bodyPr/>
+          <a:lstStyle/>
+          <a:p>
+            <a:pPr marL="0" indent="0">
+              <a:buNone/>
+            </a:pPr>
+            <a:r>
+              <a:rPr lang="en-US" b="1" dirty="0"/>
+              <a:t>As you can see, we chose implementation of “TV-Tennis” as the theme of our project.</a:t>
+            </a:r>
+          </a:p>
+          <a:p>
+            <a:pPr marL="0" indent="0">
+              <a:buNone/>
+            </a:pPr>
+            <a:r>
+              <a:rPr lang="en-US" b="1" dirty="0"/>
+              <a:t>To make it real, we used Logisim (to “create” circuits) and CDM-8 assembler (to program some things).</a:t>
+            </a:r>
+            <a:endParaRPr lang="ru-RU" b="1" dirty="0"/>
+          </a:p>
+        </p:txBody>
+      </p:sp>
       <p:pic>
         <p:nvPicPr>
-          <p:cNvPr id="8" name="Рисунок 7">
-            <a:extLst>
-              <a:ext uri="{FF2B5EF4-FFF2-40B4-BE49-F238E27FC236}">
-                <a16:creationId xmlns:a16="http://schemas.microsoft.com/office/drawing/2014/main" id="{303EC931-013B-96E3-1FBB-E12B49F06C95}"/>
+          <p:cNvPr id="5" name="Рисунок 4">
+            <a:extLst>
+              <a:ext uri="{FF2B5EF4-FFF2-40B4-BE49-F238E27FC236}">
+                <a16:creationId xmlns:a16="http://schemas.microsoft.com/office/drawing/2014/main" id="{A09A91BF-0C78-F527-4100-D6DB341AC3E1}"/>
               </a:ext>
             </a:extLst>
           </p:cNvPr>
@@ -3858,100 +4761,20 @@
         </p:blipFill>
         <p:spPr>
           <a:xfrm>
-            <a:off x="0" y="0"/>
-            <a:ext cx="12192000" cy="6858000"/>
+            <a:off x="7015540" y="403064"/>
+            <a:ext cx="2771163" cy="2771163"/>
           </a:xfrm>
           <a:prstGeom prst="rect">
             <a:avLst/>
           </a:prstGeom>
         </p:spPr>
       </p:pic>
-      <p:sp>
-        <p:nvSpPr>
-          <p:cNvPr id="2" name="Заголовок 1">
-            <a:extLst>
-              <a:ext uri="{FF2B5EF4-FFF2-40B4-BE49-F238E27FC236}">
-                <a16:creationId xmlns:a16="http://schemas.microsoft.com/office/drawing/2014/main" id="{2DC1A382-1391-A122-3B65-276FD8F482AC}"/>
-              </a:ext>
-            </a:extLst>
-          </p:cNvPr>
-          <p:cNvSpPr>
-            <a:spLocks noGrp="1"/>
-          </p:cNvSpPr>
-          <p:nvPr>
-            <p:ph type="title"/>
-          </p:nvPr>
-        </p:nvSpPr>
-        <p:spPr>
-          <a:xfrm>
-            <a:off x="1172815" y="1166070"/>
-            <a:ext cx="3733800" cy="801456"/>
-          </a:xfrm>
-        </p:spPr>
-        <p:txBody>
-          <a:bodyPr/>
-          <a:lstStyle/>
-          <a:p>
-            <a:r>
-              <a:rPr lang="en-US" b="1" dirty="0"/>
-              <a:t>Introduction</a:t>
-            </a:r>
-            <a:endParaRPr lang="ru-RU" b="1" dirty="0"/>
-          </a:p>
-        </p:txBody>
-      </p:sp>
-      <p:sp>
-        <p:nvSpPr>
-          <p:cNvPr id="3" name="Объект 2">
-            <a:extLst>
-              <a:ext uri="{FF2B5EF4-FFF2-40B4-BE49-F238E27FC236}">
-                <a16:creationId xmlns:a16="http://schemas.microsoft.com/office/drawing/2014/main" id="{7C7509B7-AA1E-C0BA-8DE1-A6E043EFF224}"/>
-              </a:ext>
-            </a:extLst>
-          </p:cNvPr>
-          <p:cNvSpPr>
-            <a:spLocks noGrp="1"/>
-          </p:cNvSpPr>
-          <p:nvPr>
-            <p:ph idx="1"/>
-          </p:nvPr>
-        </p:nvSpPr>
-        <p:spPr>
-          <a:xfrm>
-            <a:off x="1206371" y="2303087"/>
-            <a:ext cx="4673367" cy="3770543"/>
-          </a:xfrm>
-        </p:spPr>
-        <p:txBody>
-          <a:bodyPr/>
-          <a:lstStyle/>
-          <a:p>
-            <a:pPr marL="0" indent="0">
-              <a:buNone/>
-            </a:pPr>
-            <a:r>
-              <a:rPr lang="en-US" b="1" dirty="0"/>
-              <a:t>As you can see, we chose implementation of “TV-Tennis” as the theme of our project.</a:t>
-            </a:r>
-          </a:p>
-          <a:p>
-            <a:pPr marL="0" indent="0">
-              <a:buNone/>
-            </a:pPr>
-            <a:r>
-              <a:rPr lang="en-US" b="1" dirty="0"/>
-              <a:t>To make it real, we used Logisim (to “create” circuits) and CDM-8 assembler (to program some things).</a:t>
-            </a:r>
-            <a:endParaRPr lang="ru-RU" b="1" dirty="0"/>
-          </a:p>
-        </p:txBody>
-      </p:sp>
       <p:pic>
         <p:nvPicPr>
-          <p:cNvPr id="5" name="Рисунок 4">
-            <a:extLst>
-              <a:ext uri="{FF2B5EF4-FFF2-40B4-BE49-F238E27FC236}">
-                <a16:creationId xmlns:a16="http://schemas.microsoft.com/office/drawing/2014/main" id="{A09A91BF-0C78-F527-4100-D6DB341AC3E1}"/>
+          <p:cNvPr id="6" name="Рисунок 5">
+            <a:extLst>
+              <a:ext uri="{FF2B5EF4-FFF2-40B4-BE49-F238E27FC236}">
+                <a16:creationId xmlns:a16="http://schemas.microsoft.com/office/drawing/2014/main" id="{D1F7C394-51BF-6C60-B477-E6BDBF5354E7}"/>
               </a:ext>
             </a:extLst>
           </p:cNvPr>
@@ -3974,8 +4797,8 @@
         </p:blipFill>
         <p:spPr>
           <a:xfrm>
-            <a:off x="7427999" y="254773"/>
-            <a:ext cx="2771163" cy="2771163"/>
+            <a:off x="6686622" y="3025936"/>
+            <a:ext cx="3429000" cy="3429000"/>
           </a:xfrm>
           <a:prstGeom prst="rect">
             <a:avLst/>
@@ -3984,10 +4807,10 @@
       </p:pic>
       <p:pic>
         <p:nvPicPr>
-          <p:cNvPr id="6" name="Рисунок 5">
-            <a:extLst>
-              <a:ext uri="{FF2B5EF4-FFF2-40B4-BE49-F238E27FC236}">
-                <a16:creationId xmlns:a16="http://schemas.microsoft.com/office/drawing/2014/main" id="{D1F7C394-51BF-6C60-B477-E6BDBF5354E7}"/>
+          <p:cNvPr id="18" name="Рисунок 17">
+            <a:extLst>
+              <a:ext uri="{FF2B5EF4-FFF2-40B4-BE49-F238E27FC236}">
+                <a16:creationId xmlns:a16="http://schemas.microsoft.com/office/drawing/2014/main" id="{DC18C705-A116-A596-F5F5-6E87188F681D}"/>
               </a:ext>
             </a:extLst>
           </p:cNvPr>
@@ -4010,8 +4833,44 @@
         </p:blipFill>
         <p:spPr>
           <a:xfrm>
-            <a:off x="7099081" y="3025936"/>
-            <a:ext cx="3429000" cy="3429000"/>
+            <a:off x="10788242" y="0"/>
+            <a:ext cx="1436306" cy="3879708"/>
+          </a:xfrm>
+          <a:prstGeom prst="rect">
+            <a:avLst/>
+          </a:prstGeom>
+        </p:spPr>
+      </p:pic>
+      <p:pic>
+        <p:nvPicPr>
+          <p:cNvPr id="19" name="Рисунок 18">
+            <a:extLst>
+              <a:ext uri="{FF2B5EF4-FFF2-40B4-BE49-F238E27FC236}">
+                <a16:creationId xmlns:a16="http://schemas.microsoft.com/office/drawing/2014/main" id="{4EB57843-2ABF-2109-9E0B-EC8CF155B12F}"/>
+              </a:ext>
+            </a:extLst>
+          </p:cNvPr>
+          <p:cNvPicPr>
+            <a:picLocks noChangeAspect="1"/>
+          </p:cNvPicPr>
+          <p:nvPr/>
+        </p:nvPicPr>
+        <p:blipFill>
+          <a:blip r:embed="rId4">
+            <a:extLst>
+              <a:ext uri="{28A0092B-C50C-407E-A947-70E740481C1C}">
+                <a14:useLocalDpi xmlns:a14="http://schemas.microsoft.com/office/drawing/2010/main" val="0"/>
+              </a:ext>
+            </a:extLst>
+          </a:blip>
+          <a:stretch>
+            <a:fillRect/>
+          </a:stretch>
+        </p:blipFill>
+        <p:spPr>
+          <a:xfrm rot="5400000">
+            <a:off x="2096955" y="3868883"/>
+            <a:ext cx="892165" cy="5086078"/>
           </a:xfrm>
           <a:prstGeom prst="rect">
             <a:avLst/>
@@ -4048,12 +4907,112 @@
           <a:chExt cx="0" cy="0"/>
         </a:xfrm>
       </p:grpSpPr>
+      <p:sp>
+        <p:nvSpPr>
+          <p:cNvPr id="2" name="Заголовок 1">
+            <a:extLst>
+              <a:ext uri="{FF2B5EF4-FFF2-40B4-BE49-F238E27FC236}">
+                <a16:creationId xmlns:a16="http://schemas.microsoft.com/office/drawing/2014/main" id="{0A1910F1-EF73-ACC0-31A2-DCF64582BFA0}"/>
+              </a:ext>
+            </a:extLst>
+          </p:cNvPr>
+          <p:cNvSpPr>
+            <a:spLocks noGrp="1"/>
+          </p:cNvSpPr>
+          <p:nvPr>
+            <p:ph type="title"/>
+          </p:nvPr>
+        </p:nvSpPr>
+        <p:spPr>
+          <a:xfrm>
+            <a:off x="1123426" y="2227939"/>
+            <a:ext cx="2970402" cy="868567"/>
+          </a:xfrm>
+        </p:spPr>
+        <p:txBody>
+          <a:bodyPr/>
+          <a:lstStyle/>
+          <a:p>
+            <a:r>
+              <a:rPr lang="en-US" b="1" dirty="0"/>
+              <a:t>Plan</a:t>
+            </a:r>
+            <a:endParaRPr lang="ru-RU" b="1" dirty="0"/>
+          </a:p>
+        </p:txBody>
+      </p:sp>
+      <p:sp>
+        <p:nvSpPr>
+          <p:cNvPr id="3" name="Объект 2">
+            <a:extLst>
+              <a:ext uri="{FF2B5EF4-FFF2-40B4-BE49-F238E27FC236}">
+                <a16:creationId xmlns:a16="http://schemas.microsoft.com/office/drawing/2014/main" id="{45B4C5BF-CDE4-5BD9-9BD3-B2FD6300D423}"/>
+              </a:ext>
+            </a:extLst>
+          </p:cNvPr>
+          <p:cNvSpPr>
+            <a:spLocks noGrp="1"/>
+          </p:cNvSpPr>
+          <p:nvPr>
+            <p:ph idx="1"/>
+          </p:nvPr>
+        </p:nvSpPr>
+        <p:spPr>
+          <a:xfrm>
+            <a:off x="1123426" y="3107016"/>
+            <a:ext cx="5151539" cy="2729597"/>
+          </a:xfrm>
+        </p:spPr>
+        <p:txBody>
+          <a:bodyPr>
+            <a:normAutofit/>
+          </a:bodyPr>
+          <a:lstStyle/>
+          <a:p>
+            <a:pPr marL="0" indent="0">
+              <a:buNone/>
+            </a:pPr>
+            <a:r>
+              <a:rPr lang="en-US" b="1" dirty="0"/>
+              <a:t>We divided our presentation into 3 parts:</a:t>
+            </a:r>
+          </a:p>
+          <a:p>
+            <a:pPr marL="514350" indent="-514350">
+              <a:buAutoNum type="arabicPeriod"/>
+            </a:pPr>
+            <a:r>
+              <a:rPr lang="en-US" b="1" dirty="0"/>
+              <a:t>Overview</a:t>
+            </a:r>
+          </a:p>
+          <a:p>
+            <a:pPr marL="514350" indent="-514350">
+              <a:buAutoNum type="arabicPeriod"/>
+            </a:pPr>
+            <a:r>
+              <a:rPr lang="en-US" b="1" dirty="0"/>
+              <a:t>Hardware</a:t>
+            </a:r>
+          </a:p>
+          <a:p>
+            <a:pPr marL="514350" indent="-514350">
+              <a:buAutoNum type="arabicPeriod"/>
+            </a:pPr>
+            <a:r>
+              <a:rPr lang="en-US" b="1" dirty="0"/>
+              <a:t>Software</a:t>
+            </a:r>
+            <a:endParaRPr lang="ru-RU" b="1" dirty="0"/>
+          </a:p>
+        </p:txBody>
+      </p:sp>
       <p:pic>
         <p:nvPicPr>
-          <p:cNvPr id="7" name="Рисунок 6">
-            <a:extLst>
-              <a:ext uri="{FF2B5EF4-FFF2-40B4-BE49-F238E27FC236}">
-                <a16:creationId xmlns:a16="http://schemas.microsoft.com/office/drawing/2014/main" id="{26280D59-D81B-9B90-7CA0-8E6B1D6EC851}"/>
+          <p:cNvPr id="5" name="Рисунок 4">
+            <a:extLst>
+              <a:ext uri="{FF2B5EF4-FFF2-40B4-BE49-F238E27FC236}">
+                <a16:creationId xmlns:a16="http://schemas.microsoft.com/office/drawing/2014/main" id="{6BFF397E-53B3-648F-C8D4-9CE72BC7CF6A}"/>
               </a:ext>
             </a:extLst>
           </p:cNvPr>
@@ -4076,120 +5035,56 @@
         </p:blipFill>
         <p:spPr>
           <a:xfrm>
-            <a:off x="0" y="0"/>
-            <a:ext cx="12192000" cy="6858000"/>
+            <a:off x="6332329" y="596959"/>
+            <a:ext cx="2888571" cy="1869713"/>
           </a:xfrm>
           <a:prstGeom prst="rect">
             <a:avLst/>
           </a:prstGeom>
         </p:spPr>
       </p:pic>
-      <p:sp>
-        <p:nvSpPr>
-          <p:cNvPr id="2" name="Заголовок 1">
-            <a:extLst>
-              <a:ext uri="{FF2B5EF4-FFF2-40B4-BE49-F238E27FC236}">
-                <a16:creationId xmlns:a16="http://schemas.microsoft.com/office/drawing/2014/main" id="{0A1910F1-EF73-ACC0-31A2-DCF64582BFA0}"/>
-              </a:ext>
-            </a:extLst>
-          </p:cNvPr>
-          <p:cNvSpPr>
-            <a:spLocks noGrp="1"/>
-          </p:cNvSpPr>
-          <p:nvPr>
-            <p:ph type="title"/>
-          </p:nvPr>
-        </p:nvSpPr>
-        <p:spPr>
-          <a:xfrm>
-            <a:off x="1123426" y="1602298"/>
-            <a:ext cx="2970402" cy="868567"/>
-          </a:xfrm>
-        </p:spPr>
-        <p:txBody>
-          <a:bodyPr/>
-          <a:lstStyle/>
-          <a:p>
-            <a:r>
-              <a:rPr lang="en-US" b="1" dirty="0"/>
-              <a:t>Overview</a:t>
-            </a:r>
-            <a:endParaRPr lang="ru-RU" b="1" dirty="0"/>
-          </a:p>
-        </p:txBody>
-      </p:sp>
-      <p:sp>
-        <p:nvSpPr>
-          <p:cNvPr id="3" name="Объект 2">
-            <a:extLst>
-              <a:ext uri="{FF2B5EF4-FFF2-40B4-BE49-F238E27FC236}">
-                <a16:creationId xmlns:a16="http://schemas.microsoft.com/office/drawing/2014/main" id="{45B4C5BF-CDE4-5BD9-9BD3-B2FD6300D423}"/>
-              </a:ext>
-            </a:extLst>
-          </p:cNvPr>
-          <p:cNvSpPr>
-            <a:spLocks noGrp="1"/>
-          </p:cNvSpPr>
-          <p:nvPr>
-            <p:ph idx="1"/>
-          </p:nvPr>
-        </p:nvSpPr>
-        <p:spPr>
-          <a:xfrm>
-            <a:off x="1123426" y="2731634"/>
-            <a:ext cx="5151539" cy="2729597"/>
-          </a:xfrm>
-        </p:spPr>
-        <p:txBody>
-          <a:bodyPr>
-            <a:normAutofit/>
-          </a:bodyPr>
-          <a:lstStyle/>
-          <a:p>
-            <a:pPr marL="0" indent="0">
-              <a:buNone/>
-            </a:pPr>
-            <a:r>
-              <a:rPr lang="en-US" b="1" dirty="0"/>
-              <a:t>We divided our presentation into 3 parts:</a:t>
-            </a:r>
-          </a:p>
-          <a:p>
-            <a:pPr marL="514350" indent="-514350">
-              <a:buAutoNum type="arabicPeriod"/>
-            </a:pPr>
-            <a:r>
-              <a:rPr lang="en-US" b="1" dirty="0"/>
-              <a:t>Design</a:t>
-            </a:r>
-          </a:p>
-          <a:p>
-            <a:pPr marL="514350" indent="-514350">
-              <a:buAutoNum type="arabicPeriod"/>
-            </a:pPr>
-            <a:r>
-              <a:rPr lang="en-US" b="1" dirty="0"/>
-              <a:t>Hardware</a:t>
-            </a:r>
-          </a:p>
-          <a:p>
-            <a:pPr marL="514350" indent="-514350">
-              <a:buAutoNum type="arabicPeriod"/>
-            </a:pPr>
-            <a:r>
-              <a:rPr lang="en-US" b="1" dirty="0"/>
-              <a:t>Software</a:t>
-            </a:r>
-            <a:endParaRPr lang="ru-RU" b="1" dirty="0"/>
-          </a:p>
-        </p:txBody>
-      </p:sp>
       <p:pic>
         <p:nvPicPr>
-          <p:cNvPr id="5" name="Рисунок 4">
-            <a:extLst>
-              <a:ext uri="{FF2B5EF4-FFF2-40B4-BE49-F238E27FC236}">
-                <a16:creationId xmlns:a16="http://schemas.microsoft.com/office/drawing/2014/main" id="{6BFF397E-53B3-648F-C8D4-9CE72BC7CF6A}"/>
+          <p:cNvPr id="9" name="Рисунок 8">
+            <a:extLst>
+              <a:ext uri="{FF2B5EF4-FFF2-40B4-BE49-F238E27FC236}">
+                <a16:creationId xmlns:a16="http://schemas.microsoft.com/office/drawing/2014/main" id="{6C9AF4D9-8510-0951-364F-821B2A6F2343}"/>
+              </a:ext>
+            </a:extLst>
+          </p:cNvPr>
+          <p:cNvPicPr>
+            <a:picLocks noChangeAspect="1"/>
+          </p:cNvPicPr>
+          <p:nvPr/>
+        </p:nvPicPr>
+        <p:blipFill>
+          <a:blip r:embed="rId2">
+            <a:extLst>
+              <a:ext uri="{28A0092B-C50C-407E-A947-70E740481C1C}">
+                <a14:useLocalDpi xmlns:a14="http://schemas.microsoft.com/office/drawing/2010/main" val="0"/>
+              </a:ext>
+            </a:extLst>
+          </a:blip>
+          <a:stretch>
+            <a:fillRect/>
+          </a:stretch>
+        </p:blipFill>
+        <p:spPr>
+          <a:xfrm>
+            <a:off x="9785004" y="1948254"/>
+            <a:ext cx="2206055" cy="1427935"/>
+          </a:xfrm>
+          <a:prstGeom prst="rect">
+            <a:avLst/>
+          </a:prstGeom>
+        </p:spPr>
+      </p:pic>
+      <p:pic>
+        <p:nvPicPr>
+          <p:cNvPr id="7" name="Рисунок 6">
+            <a:extLst>
+              <a:ext uri="{FF2B5EF4-FFF2-40B4-BE49-F238E27FC236}">
+                <a16:creationId xmlns:a16="http://schemas.microsoft.com/office/drawing/2014/main" id="{2C05FFBF-67A3-6237-3DBA-62E81F6DE14B}"/>
               </a:ext>
             </a:extLst>
           </p:cNvPr>
@@ -4211,9 +5106,9 @@
           </a:stretch>
         </p:blipFill>
         <p:spPr>
-          <a:xfrm>
-            <a:off x="4974121" y="649817"/>
-            <a:ext cx="2307971" cy="1493903"/>
+          <a:xfrm rot="5400000">
+            <a:off x="8145393" y="2811396"/>
+            <a:ext cx="3158165" cy="4935049"/>
           </a:xfrm>
           <a:prstGeom prst="rect">
             <a:avLst/>
@@ -4222,10 +5117,10 @@
       </p:pic>
       <p:pic>
         <p:nvPicPr>
-          <p:cNvPr id="8" name="Рисунок 7">
-            <a:extLst>
-              <a:ext uri="{FF2B5EF4-FFF2-40B4-BE49-F238E27FC236}">
-                <a16:creationId xmlns:a16="http://schemas.microsoft.com/office/drawing/2014/main" id="{B0A9D857-6B07-953E-101C-3DDED15CCFBA}"/>
+          <p:cNvPr id="10" name="Рисунок 9">
+            <a:extLst>
+              <a:ext uri="{FF2B5EF4-FFF2-40B4-BE49-F238E27FC236}">
+                <a16:creationId xmlns:a16="http://schemas.microsoft.com/office/drawing/2014/main" id="{91C1D546-D8B6-4FE9-7240-7859AA57CA82}"/>
               </a:ext>
             </a:extLst>
           </p:cNvPr>
@@ -4247,9 +5142,9 @@
           </a:stretch>
         </p:blipFill>
         <p:spPr>
-          <a:xfrm>
-            <a:off x="8289219" y="1602298"/>
-            <a:ext cx="3493618" cy="2261348"/>
+          <a:xfrm rot="5400000">
+            <a:off x="1825639" y="-1825639"/>
+            <a:ext cx="1500262" cy="5151540"/>
           </a:xfrm>
           <a:prstGeom prst="rect">
             <a:avLst/>
@@ -4258,10 +5153,10 @@
       </p:pic>
       <p:pic>
         <p:nvPicPr>
-          <p:cNvPr id="9" name="Рисунок 8">
-            <a:extLst>
-              <a:ext uri="{FF2B5EF4-FFF2-40B4-BE49-F238E27FC236}">
-                <a16:creationId xmlns:a16="http://schemas.microsoft.com/office/drawing/2014/main" id="{6C9AF4D9-8510-0951-364F-821B2A6F2343}"/>
+          <p:cNvPr id="6" name="Рисунок 5">
+            <a:extLst>
+              <a:ext uri="{FF2B5EF4-FFF2-40B4-BE49-F238E27FC236}">
+                <a16:creationId xmlns:a16="http://schemas.microsoft.com/office/drawing/2014/main" id="{09DECC73-25C5-377C-30F5-C662FFFDA746}"/>
               </a:ext>
             </a:extLst>
           </p:cNvPr>
@@ -4271,7 +5166,7 @@
           <p:nvPr/>
         </p:nvPicPr>
         <p:blipFill>
-          <a:blip r:embed="rId3">
+          <a:blip r:embed="rId4">
             <a:extLst>
               <a:ext uri="{28A0092B-C50C-407E-A947-70E740481C1C}">
                 <a14:useLocalDpi xmlns:a14="http://schemas.microsoft.com/office/drawing/2010/main" val="0"/>
@@ -4284,8 +5179,8 @@
         </p:blipFill>
         <p:spPr>
           <a:xfrm>
-            <a:off x="4699788" y="3766656"/>
-            <a:ext cx="4072799" cy="2636240"/>
+            <a:off x="7325079" y="3726185"/>
+            <a:ext cx="3916169" cy="2534856"/>
           </a:xfrm>
           <a:prstGeom prst="rect">
             <a:avLst/>
@@ -4322,12 +5217,103 @@
           <a:chExt cx="0" cy="0"/>
         </a:xfrm>
       </p:grpSpPr>
+      <p:sp>
+        <p:nvSpPr>
+          <p:cNvPr id="2" name="Заголовок 1">
+            <a:extLst>
+              <a:ext uri="{FF2B5EF4-FFF2-40B4-BE49-F238E27FC236}">
+                <a16:creationId xmlns:a16="http://schemas.microsoft.com/office/drawing/2014/main" id="{3C6AE880-B9E8-0903-C306-3F9C387F982F}"/>
+              </a:ext>
+            </a:extLst>
+          </p:cNvPr>
+          <p:cNvSpPr>
+            <a:spLocks noGrp="1"/>
+          </p:cNvSpPr>
+          <p:nvPr>
+            <p:ph type="title"/>
+          </p:nvPr>
+        </p:nvSpPr>
+        <p:spPr>
+          <a:xfrm>
+            <a:off x="823894" y="1023456"/>
+            <a:ext cx="2816928" cy="868567"/>
+          </a:xfrm>
+        </p:spPr>
+        <p:txBody>
+          <a:bodyPr>
+            <a:normAutofit/>
+          </a:bodyPr>
+          <a:lstStyle/>
+          <a:p>
+            <a:r>
+              <a:rPr lang="en-US" b="1" dirty="0"/>
+              <a:t>Overview</a:t>
+            </a:r>
+            <a:endParaRPr lang="ru-RU" b="1" dirty="0"/>
+          </a:p>
+        </p:txBody>
+      </p:sp>
+      <p:sp>
+        <p:nvSpPr>
+          <p:cNvPr id="3" name="Объект 2">
+            <a:extLst>
+              <a:ext uri="{FF2B5EF4-FFF2-40B4-BE49-F238E27FC236}">
+                <a16:creationId xmlns:a16="http://schemas.microsoft.com/office/drawing/2014/main" id="{C9DB0312-2FC0-EA66-08E4-CE506397FAB1}"/>
+              </a:ext>
+            </a:extLst>
+          </p:cNvPr>
+          <p:cNvSpPr>
+            <a:spLocks noGrp="1"/>
+          </p:cNvSpPr>
+          <p:nvPr>
+            <p:ph idx="1"/>
+          </p:nvPr>
+        </p:nvSpPr>
+        <p:spPr>
+          <a:xfrm>
+            <a:off x="823894" y="1825624"/>
+            <a:ext cx="5143150" cy="3769832"/>
+          </a:xfrm>
+        </p:spPr>
+        <p:txBody>
+          <a:bodyPr/>
+          <a:lstStyle/>
+          <a:p>
+            <a:pPr marL="0" indent="0">
+              <a:buNone/>
+            </a:pPr>
+            <a:r>
+              <a:rPr lang="en-US" b="1" dirty="0"/>
+              <a:t>Classic TV-Tennis, actually.</a:t>
+            </a:r>
+          </a:p>
+          <a:p>
+            <a:pPr marL="0" indent="0">
+              <a:buNone/>
+            </a:pPr>
+            <a:r>
+              <a:rPr lang="en-US" b="1" dirty="0"/>
+              <a:t>32x32 video display, scores, ball, two bats (one controlled by player, other one by bot), joystick (to control player’s bat).</a:t>
+            </a:r>
+          </a:p>
+          <a:p>
+            <a:pPr marL="0" indent="0">
+              <a:buNone/>
+            </a:pPr>
+            <a:r>
+              <a:rPr lang="en-US" b="1" dirty="0"/>
+              <a:t>Game ends when someone gets 24 points.</a:t>
+            </a:r>
+            <a:endParaRPr lang="ru-RU" b="1" dirty="0"/>
+          </a:p>
+        </p:txBody>
+      </p:sp>
       <p:pic>
         <p:nvPicPr>
-          <p:cNvPr id="8" name="Рисунок 7">
-            <a:extLst>
-              <a:ext uri="{FF2B5EF4-FFF2-40B4-BE49-F238E27FC236}">
-                <a16:creationId xmlns:a16="http://schemas.microsoft.com/office/drawing/2014/main" id="{E8618ECC-E11A-7D63-EE64-B006CE182DB6}"/>
+          <p:cNvPr id="19" name="Рисунок 18">
+            <a:extLst>
+              <a:ext uri="{FF2B5EF4-FFF2-40B4-BE49-F238E27FC236}">
+                <a16:creationId xmlns:a16="http://schemas.microsoft.com/office/drawing/2014/main" id="{3CB1E35D-42C2-6D6E-BA73-C283E4969E27}"/>
               </a:ext>
             </a:extLst>
           </p:cNvPr>
@@ -4350,109 +5336,20 @@
         </p:blipFill>
         <p:spPr>
           <a:xfrm>
-            <a:off x="0" y="0"/>
-            <a:ext cx="12192000" cy="6858000"/>
+            <a:off x="5522427" y="549479"/>
+            <a:ext cx="6264105" cy="5035849"/>
           </a:xfrm>
           <a:prstGeom prst="rect">
             <a:avLst/>
           </a:prstGeom>
         </p:spPr>
       </p:pic>
-      <p:sp>
-        <p:nvSpPr>
-          <p:cNvPr id="2" name="Заголовок 1">
-            <a:extLst>
-              <a:ext uri="{FF2B5EF4-FFF2-40B4-BE49-F238E27FC236}">
-                <a16:creationId xmlns:a16="http://schemas.microsoft.com/office/drawing/2014/main" id="{3C6AE880-B9E8-0903-C306-3F9C387F982F}"/>
-              </a:ext>
-            </a:extLst>
-          </p:cNvPr>
-          <p:cNvSpPr>
-            <a:spLocks noGrp="1"/>
-          </p:cNvSpPr>
-          <p:nvPr>
-            <p:ph type="title"/>
-          </p:nvPr>
-        </p:nvSpPr>
-        <p:spPr>
-          <a:xfrm>
-            <a:off x="1047925" y="1124125"/>
-            <a:ext cx="2173448" cy="868567"/>
-          </a:xfrm>
-        </p:spPr>
-        <p:txBody>
-          <a:bodyPr/>
-          <a:lstStyle/>
-          <a:p>
-            <a:r>
-              <a:rPr lang="en-US" b="1" dirty="0"/>
-              <a:t>Design</a:t>
-            </a:r>
-            <a:endParaRPr lang="ru-RU" b="1" dirty="0"/>
-          </a:p>
-        </p:txBody>
-      </p:sp>
-      <p:sp>
-        <p:nvSpPr>
-          <p:cNvPr id="3" name="Объект 2">
-            <a:extLst>
-              <a:ext uri="{FF2B5EF4-FFF2-40B4-BE49-F238E27FC236}">
-                <a16:creationId xmlns:a16="http://schemas.microsoft.com/office/drawing/2014/main" id="{C9DB0312-2FC0-EA66-08E4-CE506397FAB1}"/>
-              </a:ext>
-            </a:extLst>
-          </p:cNvPr>
-          <p:cNvSpPr>
-            <a:spLocks noGrp="1"/>
-          </p:cNvSpPr>
-          <p:nvPr>
-            <p:ph idx="1"/>
-          </p:nvPr>
-        </p:nvSpPr>
-        <p:spPr>
-          <a:xfrm>
-            <a:off x="1047925" y="2127629"/>
-            <a:ext cx="5143150" cy="4351338"/>
-          </a:xfrm>
-        </p:spPr>
-        <p:txBody>
-          <a:bodyPr/>
-          <a:lstStyle/>
-          <a:p>
-            <a:pPr marL="0" indent="0">
-              <a:buNone/>
-            </a:pPr>
-            <a:r>
-              <a:rPr lang="en-US" b="1" dirty="0"/>
-              <a:t>Classic TV-Tennis, actually.</a:t>
-            </a:r>
-          </a:p>
-          <a:p>
-            <a:pPr marL="0" indent="0">
-              <a:buNone/>
-            </a:pPr>
-            <a:r>
-              <a:rPr lang="en-US" b="1" dirty="0"/>
-              <a:t>32x32 video display, scores, ball, two bats (one controlled by player, other one by bot), joystick (to control player’s bat).</a:t>
-            </a:r>
-          </a:p>
-          <a:p>
-            <a:pPr marL="0" indent="0">
-              <a:buNone/>
-            </a:pPr>
-            <a:r>
-              <a:rPr lang="en-US" b="1" dirty="0"/>
-              <a:t>Game ends when someone gets 24 points.</a:t>
-            </a:r>
-            <a:endParaRPr lang="ru-RU" b="1" dirty="0"/>
-          </a:p>
-        </p:txBody>
-      </p:sp>
       <p:pic>
         <p:nvPicPr>
-          <p:cNvPr id="6" name="Рисунок 5">
-            <a:extLst>
-              <a:ext uri="{FF2B5EF4-FFF2-40B4-BE49-F238E27FC236}">
-                <a16:creationId xmlns:a16="http://schemas.microsoft.com/office/drawing/2014/main" id="{4C7F930C-8308-7C91-AE0C-D56982C37945}"/>
+          <p:cNvPr id="5" name="Рисунок 4">
+            <a:extLst>
+              <a:ext uri="{FF2B5EF4-FFF2-40B4-BE49-F238E27FC236}">
+                <a16:creationId xmlns:a16="http://schemas.microsoft.com/office/drawing/2014/main" id="{B51D1C4E-93B9-ED5F-1621-DE9B7EDC2E43}"/>
               </a:ext>
             </a:extLst>
           </p:cNvPr>
@@ -4474,9 +5371,45 @@
           </a:stretch>
         </p:blipFill>
         <p:spPr>
-          <a:xfrm>
-            <a:off x="5533139" y="872455"/>
-            <a:ext cx="5610936" cy="4351338"/>
+          <a:xfrm rot="5400000">
+            <a:off x="-1447102" y="1447101"/>
+            <a:ext cx="3288487" cy="394283"/>
+          </a:xfrm>
+          <a:prstGeom prst="rect">
+            <a:avLst/>
+          </a:prstGeom>
+        </p:spPr>
+      </p:pic>
+      <p:pic>
+        <p:nvPicPr>
+          <p:cNvPr id="6" name="Рисунок 5">
+            <a:extLst>
+              <a:ext uri="{FF2B5EF4-FFF2-40B4-BE49-F238E27FC236}">
+                <a16:creationId xmlns:a16="http://schemas.microsoft.com/office/drawing/2014/main" id="{799D9289-6813-0F3F-6AE3-4C1AB1FFDB14}"/>
+              </a:ext>
+            </a:extLst>
+          </p:cNvPr>
+          <p:cNvPicPr>
+            <a:picLocks noChangeAspect="1"/>
+          </p:cNvPicPr>
+          <p:nvPr/>
+        </p:nvPicPr>
+        <p:blipFill>
+          <a:blip r:embed="rId3">
+            <a:extLst>
+              <a:ext uri="{28A0092B-C50C-407E-A947-70E740481C1C}">
+                <a14:useLocalDpi xmlns:a14="http://schemas.microsoft.com/office/drawing/2010/main" val="0"/>
+              </a:ext>
+            </a:extLst>
+          </a:blip>
+          <a:stretch>
+            <a:fillRect/>
+          </a:stretch>
+        </p:blipFill>
+        <p:spPr>
+          <a:xfrm rot="5400000">
+            <a:off x="7780089" y="2446092"/>
+            <a:ext cx="1027649" cy="7796169"/>
           </a:xfrm>
           <a:prstGeom prst="rect">
             <a:avLst/>
@@ -4513,12 +5446,48 @@
           <a:chExt cx="0" cy="0"/>
         </a:xfrm>
       </p:grpSpPr>
+      <p:sp>
+        <p:nvSpPr>
+          <p:cNvPr id="2" name="Заголовок 1">
+            <a:extLst>
+              <a:ext uri="{FF2B5EF4-FFF2-40B4-BE49-F238E27FC236}">
+                <a16:creationId xmlns:a16="http://schemas.microsoft.com/office/drawing/2014/main" id="{33A9D202-A504-BD9A-24B1-C3047EBC0527}"/>
+              </a:ext>
+            </a:extLst>
+          </p:cNvPr>
+          <p:cNvSpPr>
+            <a:spLocks noGrp="1"/>
+          </p:cNvSpPr>
+          <p:nvPr>
+            <p:ph type="title"/>
+          </p:nvPr>
+        </p:nvSpPr>
+        <p:spPr>
+          <a:xfrm>
+            <a:off x="3532814" y="2699158"/>
+            <a:ext cx="5126372" cy="1459684"/>
+          </a:xfrm>
+        </p:spPr>
+        <p:txBody>
+          <a:bodyPr>
+            <a:normAutofit/>
+          </a:bodyPr>
+          <a:lstStyle/>
+          <a:p>
+            <a:r>
+              <a:rPr lang="en-US" sz="8000" b="1" dirty="0"/>
+              <a:t>Hardware</a:t>
+            </a:r>
+            <a:endParaRPr lang="ru-RU" sz="8000" b="1" dirty="0"/>
+          </a:p>
+        </p:txBody>
+      </p:sp>
       <p:pic>
         <p:nvPicPr>
-          <p:cNvPr id="5" name="Рисунок 4">
-            <a:extLst>
-              <a:ext uri="{FF2B5EF4-FFF2-40B4-BE49-F238E27FC236}">
-                <a16:creationId xmlns:a16="http://schemas.microsoft.com/office/drawing/2014/main" id="{4FB25FD4-7370-91B3-D34F-F796F16692B2}"/>
+          <p:cNvPr id="3" name="Рисунок 2">
+            <a:extLst>
+              <a:ext uri="{FF2B5EF4-FFF2-40B4-BE49-F238E27FC236}">
+                <a16:creationId xmlns:a16="http://schemas.microsoft.com/office/drawing/2014/main" id="{5E6922D3-8EC4-6A54-54A5-071C129A8542}"/>
               </a:ext>
             </a:extLst>
           </p:cNvPr>
@@ -4540,51 +5509,51 @@
           </a:stretch>
         </p:blipFill>
         <p:spPr>
-          <a:xfrm>
-            <a:off x="0" y="0"/>
-            <a:ext cx="12192000" cy="6858000"/>
+          <a:xfrm rot="5400000">
+            <a:off x="7484377" y="-3122103"/>
+            <a:ext cx="1585520" cy="7829725"/>
           </a:xfrm>
           <a:prstGeom prst="rect">
             <a:avLst/>
           </a:prstGeom>
         </p:spPr>
       </p:pic>
-      <p:sp>
-        <p:nvSpPr>
-          <p:cNvPr id="2" name="Заголовок 1">
-            <a:extLst>
-              <a:ext uri="{FF2B5EF4-FFF2-40B4-BE49-F238E27FC236}">
-                <a16:creationId xmlns:a16="http://schemas.microsoft.com/office/drawing/2014/main" id="{33A9D202-A504-BD9A-24B1-C3047EBC0527}"/>
-              </a:ext>
-            </a:extLst>
-          </p:cNvPr>
-          <p:cNvSpPr>
-            <a:spLocks noGrp="1"/>
-          </p:cNvSpPr>
-          <p:nvPr>
-            <p:ph type="title"/>
-          </p:nvPr>
-        </p:nvSpPr>
-        <p:spPr>
-          <a:xfrm>
-            <a:off x="3532814" y="2699158"/>
-            <a:ext cx="5126372" cy="1459684"/>
-          </a:xfrm>
-        </p:spPr>
-        <p:txBody>
-          <a:bodyPr>
-            <a:normAutofit/>
-          </a:bodyPr>
-          <a:lstStyle/>
-          <a:p>
-            <a:r>
-              <a:rPr lang="en-US" sz="8000" b="1" dirty="0"/>
-              <a:t>Hardware</a:t>
-            </a:r>
-            <a:endParaRPr lang="ru-RU" sz="8000" b="1" dirty="0"/>
-          </a:p>
-        </p:txBody>
-      </p:sp>
+      <p:pic>
+        <p:nvPicPr>
+          <p:cNvPr id="4" name="Рисунок 3">
+            <a:extLst>
+              <a:ext uri="{FF2B5EF4-FFF2-40B4-BE49-F238E27FC236}">
+                <a16:creationId xmlns:a16="http://schemas.microsoft.com/office/drawing/2014/main" id="{A1A71CC7-BD41-EE6D-E087-FF971290C346}"/>
+              </a:ext>
+            </a:extLst>
+          </p:cNvPr>
+          <p:cNvPicPr>
+            <a:picLocks noChangeAspect="1"/>
+          </p:cNvPicPr>
+          <p:nvPr/>
+        </p:nvPicPr>
+        <p:blipFill>
+          <a:blip r:embed="rId2">
+            <a:extLst>
+              <a:ext uri="{28A0092B-C50C-407E-A947-70E740481C1C}">
+                <a14:useLocalDpi xmlns:a14="http://schemas.microsoft.com/office/drawing/2010/main" val="0"/>
+              </a:ext>
+            </a:extLst>
+          </a:blip>
+          <a:stretch>
+            <a:fillRect/>
+          </a:stretch>
+        </p:blipFill>
+        <p:spPr>
+          <a:xfrm rot="5400000">
+            <a:off x="35651" y="5341691"/>
+            <a:ext cx="1480659" cy="1551963"/>
+          </a:xfrm>
+          <a:prstGeom prst="rect">
+            <a:avLst/>
+          </a:prstGeom>
+        </p:spPr>
+      </p:pic>
     </p:spTree>
     <p:extLst>
       <p:ext uri="{BB962C8B-B14F-4D97-AF65-F5344CB8AC3E}">
@@ -4615,12 +5584,86 @@
           <a:chExt cx="0" cy="0"/>
         </a:xfrm>
       </p:grpSpPr>
+      <p:sp>
+        <p:nvSpPr>
+          <p:cNvPr id="2" name="Заголовок 1">
+            <a:extLst>
+              <a:ext uri="{FF2B5EF4-FFF2-40B4-BE49-F238E27FC236}">
+                <a16:creationId xmlns:a16="http://schemas.microsoft.com/office/drawing/2014/main" id="{4D1099CF-4E8A-7206-1639-7DD9F2E1FB6C}"/>
+              </a:ext>
+            </a:extLst>
+          </p:cNvPr>
+          <p:cNvSpPr>
+            <a:spLocks noGrp="1"/>
+          </p:cNvSpPr>
+          <p:nvPr>
+            <p:ph type="title"/>
+          </p:nvPr>
+        </p:nvSpPr>
+        <p:spPr>
+          <a:xfrm>
+            <a:off x="7269598" y="3131120"/>
+            <a:ext cx="3859635" cy="776288"/>
+          </a:xfrm>
+        </p:spPr>
+        <p:txBody>
+          <a:bodyPr>
+            <a:normAutofit/>
+          </a:bodyPr>
+          <a:lstStyle/>
+          <a:p>
+            <a:r>
+              <a:rPr lang="en-US" b="1" dirty="0"/>
+              <a:t>Main circuit</a:t>
+            </a:r>
+            <a:endParaRPr lang="ru-RU" b="1" dirty="0"/>
+          </a:p>
+        </p:txBody>
+      </p:sp>
+      <p:sp>
+        <p:nvSpPr>
+          <p:cNvPr id="3" name="Объект 2">
+            <a:extLst>
+              <a:ext uri="{FF2B5EF4-FFF2-40B4-BE49-F238E27FC236}">
+                <a16:creationId xmlns:a16="http://schemas.microsoft.com/office/drawing/2014/main" id="{9618FBCA-E7AC-E590-6EFD-069C8FF2FA79}"/>
+              </a:ext>
+            </a:extLst>
+          </p:cNvPr>
+          <p:cNvSpPr>
+            <a:spLocks noGrp="1"/>
+          </p:cNvSpPr>
+          <p:nvPr>
+            <p:ph idx="1"/>
+          </p:nvPr>
+        </p:nvSpPr>
+        <p:spPr>
+          <a:xfrm>
+            <a:off x="7255775" y="3870708"/>
+            <a:ext cx="4564312" cy="674264"/>
+          </a:xfrm>
+        </p:spPr>
+        <p:txBody>
+          <a:bodyPr>
+            <a:normAutofit fontScale="92500"/>
+          </a:bodyPr>
+          <a:lstStyle/>
+          <a:p>
+            <a:pPr marL="0" indent="0">
+              <a:buNone/>
+            </a:pPr>
+            <a:r>
+              <a:rPr lang="en-US" b="1" dirty="0"/>
+              <a:t>Here you look and perform</a:t>
+            </a:r>
+          </a:p>
+        </p:txBody>
+      </p:sp>
       <p:pic>
         <p:nvPicPr>
           <p:cNvPr id="5" name="Рисунок 4">
             <a:extLst>
               <a:ext uri="{FF2B5EF4-FFF2-40B4-BE49-F238E27FC236}">
-                <a16:creationId xmlns:a16="http://schemas.microsoft.com/office/drawing/2014/main" id="{06C0A3C1-27ED-0DA2-CD2D-0A02A993AA52}"/>
+                <a16:creationId xmlns:a16="http://schemas.microsoft.com/office/drawing/2014/main" id="{E1E222EC-0F0B-86CF-12E6-24C12C920BCE}"/>
               </a:ext>
             </a:extLst>
           </p:cNvPr>
@@ -4643,92 +5686,20 @@
         </p:blipFill>
         <p:spPr>
           <a:xfrm>
-            <a:off x="0" y="0"/>
-            <a:ext cx="12191999" cy="6858000"/>
+            <a:off x="110915" y="152084"/>
+            <a:ext cx="8026405" cy="6452600"/>
           </a:xfrm>
           <a:prstGeom prst="rect">
             <a:avLst/>
           </a:prstGeom>
         </p:spPr>
       </p:pic>
-      <p:sp>
-        <p:nvSpPr>
-          <p:cNvPr id="2" name="Заголовок 1">
-            <a:extLst>
-              <a:ext uri="{FF2B5EF4-FFF2-40B4-BE49-F238E27FC236}">
-                <a16:creationId xmlns:a16="http://schemas.microsoft.com/office/drawing/2014/main" id="{4D1099CF-4E8A-7206-1639-7DD9F2E1FB6C}"/>
-              </a:ext>
-            </a:extLst>
-          </p:cNvPr>
-          <p:cNvSpPr>
-            <a:spLocks noGrp="1"/>
-          </p:cNvSpPr>
-          <p:nvPr>
-            <p:ph type="title"/>
-          </p:nvPr>
-        </p:nvSpPr>
-        <p:spPr>
-          <a:xfrm>
-            <a:off x="7582946" y="1092593"/>
-            <a:ext cx="3579843" cy="776288"/>
-          </a:xfrm>
-        </p:spPr>
-        <p:txBody>
-          <a:bodyPr>
-            <a:normAutofit fontScale="90000"/>
-          </a:bodyPr>
-          <a:lstStyle/>
-          <a:p>
-            <a:r>
-              <a:rPr lang="en-US" b="1" dirty="0"/>
-              <a:t>Video system </a:t>
-            </a:r>
-            <a:endParaRPr lang="ru-RU" b="1" dirty="0"/>
-          </a:p>
-        </p:txBody>
-      </p:sp>
-      <p:sp>
-        <p:nvSpPr>
-          <p:cNvPr id="3" name="Объект 2">
-            <a:extLst>
-              <a:ext uri="{FF2B5EF4-FFF2-40B4-BE49-F238E27FC236}">
-                <a16:creationId xmlns:a16="http://schemas.microsoft.com/office/drawing/2014/main" id="{9618FBCA-E7AC-E590-6EFD-069C8FF2FA79}"/>
-              </a:ext>
-            </a:extLst>
-          </p:cNvPr>
-          <p:cNvSpPr>
-            <a:spLocks noGrp="1"/>
-          </p:cNvSpPr>
-          <p:nvPr>
-            <p:ph idx="1"/>
-          </p:nvPr>
-        </p:nvSpPr>
-        <p:spPr>
-          <a:xfrm>
-            <a:off x="7582946" y="2068936"/>
-            <a:ext cx="3859635" cy="1672584"/>
-          </a:xfrm>
-        </p:spPr>
-        <p:txBody>
-          <a:bodyPr/>
-          <a:lstStyle/>
-          <a:p>
-            <a:pPr marL="0" indent="0">
-              <a:buNone/>
-            </a:pPr>
-            <a:r>
-              <a:rPr lang="en-US" b="1" dirty="0"/>
-              <a:t>*some text about it*</a:t>
-            </a:r>
-          </a:p>
-        </p:txBody>
-      </p:sp>
       <p:pic>
         <p:nvPicPr>
-          <p:cNvPr id="13" name="Рисунок 12">
-            <a:extLst>
-              <a:ext uri="{FF2B5EF4-FFF2-40B4-BE49-F238E27FC236}">
-                <a16:creationId xmlns:a16="http://schemas.microsoft.com/office/drawing/2014/main" id="{027EBDB5-7BA3-B486-162C-E3F8CD9581A1}"/>
+          <p:cNvPr id="6" name="Рисунок 5">
+            <a:extLst>
+              <a:ext uri="{FF2B5EF4-FFF2-40B4-BE49-F238E27FC236}">
+                <a16:creationId xmlns:a16="http://schemas.microsoft.com/office/drawing/2014/main" id="{6568A0FB-B690-A365-212B-C6E97ABDCF91}"/>
               </a:ext>
             </a:extLst>
           </p:cNvPr>
@@ -4750,9 +5721,45 @@
           </a:stretch>
         </p:blipFill>
         <p:spPr>
-          <a:xfrm>
-            <a:off x="247058" y="1298429"/>
-            <a:ext cx="7620224" cy="5083975"/>
+          <a:xfrm rot="5400000">
+            <a:off x="10668683" y="-23055"/>
+            <a:ext cx="1500262" cy="1546371"/>
+          </a:xfrm>
+          <a:prstGeom prst="rect">
+            <a:avLst/>
+          </a:prstGeom>
+        </p:spPr>
+      </p:pic>
+      <p:pic>
+        <p:nvPicPr>
+          <p:cNvPr id="7" name="Рисунок 6">
+            <a:extLst>
+              <a:ext uri="{FF2B5EF4-FFF2-40B4-BE49-F238E27FC236}">
+                <a16:creationId xmlns:a16="http://schemas.microsoft.com/office/drawing/2014/main" id="{009B114D-F71B-F01E-4845-F6F70D2046D3}"/>
+              </a:ext>
+            </a:extLst>
+          </p:cNvPr>
+          <p:cNvPicPr>
+            <a:picLocks noChangeAspect="1"/>
+          </p:cNvPicPr>
+          <p:nvPr/>
+        </p:nvPicPr>
+        <p:blipFill>
+          <a:blip r:embed="rId3">
+            <a:extLst>
+              <a:ext uri="{28A0092B-C50C-407E-A947-70E740481C1C}">
+                <a14:useLocalDpi xmlns:a14="http://schemas.microsoft.com/office/drawing/2010/main" val="0"/>
+              </a:ext>
+            </a:extLst>
+          </a:blip>
+          <a:stretch>
+            <a:fillRect/>
+          </a:stretch>
+        </p:blipFill>
+        <p:spPr>
+          <a:xfrm rot="5400000">
+            <a:off x="9306886" y="3972888"/>
+            <a:ext cx="583033" cy="5187192"/>
           </a:xfrm>
           <a:prstGeom prst="rect">
             <a:avLst/>
@@ -4789,12 +5796,84 @@
           <a:chExt cx="0" cy="0"/>
         </a:xfrm>
       </p:grpSpPr>
+      <p:sp>
+        <p:nvSpPr>
+          <p:cNvPr id="2" name="Заголовок 1">
+            <a:extLst>
+              <a:ext uri="{FF2B5EF4-FFF2-40B4-BE49-F238E27FC236}">
+                <a16:creationId xmlns:a16="http://schemas.microsoft.com/office/drawing/2014/main" id="{4D1099CF-4E8A-7206-1639-7DD9F2E1FB6C}"/>
+              </a:ext>
+            </a:extLst>
+          </p:cNvPr>
+          <p:cNvSpPr>
+            <a:spLocks noGrp="1"/>
+          </p:cNvSpPr>
+          <p:nvPr>
+            <p:ph type="title"/>
+          </p:nvPr>
+        </p:nvSpPr>
+        <p:spPr>
+          <a:xfrm>
+            <a:off x="7991052" y="3131120"/>
+            <a:ext cx="3859635" cy="776288"/>
+          </a:xfrm>
+        </p:spPr>
+        <p:txBody>
+          <a:bodyPr>
+            <a:normAutofit/>
+          </a:bodyPr>
+          <a:lstStyle/>
+          <a:p>
+            <a:r>
+              <a:rPr lang="en-US" b="1" dirty="0"/>
+              <a:t>Video system </a:t>
+            </a:r>
+            <a:endParaRPr lang="ru-RU" b="1" dirty="0"/>
+          </a:p>
+        </p:txBody>
+      </p:sp>
+      <p:sp>
+        <p:nvSpPr>
+          <p:cNvPr id="3" name="Объект 2">
+            <a:extLst>
+              <a:ext uri="{FF2B5EF4-FFF2-40B4-BE49-F238E27FC236}">
+                <a16:creationId xmlns:a16="http://schemas.microsoft.com/office/drawing/2014/main" id="{9618FBCA-E7AC-E590-6EFD-069C8FF2FA79}"/>
+              </a:ext>
+            </a:extLst>
+          </p:cNvPr>
+          <p:cNvSpPr>
+            <a:spLocks noGrp="1"/>
+          </p:cNvSpPr>
+          <p:nvPr>
+            <p:ph idx="1"/>
+          </p:nvPr>
+        </p:nvSpPr>
+        <p:spPr>
+          <a:xfrm>
+            <a:off x="7977229" y="3870708"/>
+            <a:ext cx="3859635" cy="674264"/>
+          </a:xfrm>
+        </p:spPr>
+        <p:txBody>
+          <a:bodyPr/>
+          <a:lstStyle/>
+          <a:p>
+            <a:pPr marL="0" indent="0">
+              <a:buNone/>
+            </a:pPr>
+            <a:r>
+              <a:rPr lang="en-US" b="1" dirty="0"/>
+              <a:t>Displays everything</a:t>
+            </a:r>
+          </a:p>
+        </p:txBody>
+      </p:sp>
       <p:pic>
         <p:nvPicPr>
-          <p:cNvPr id="5" name="Рисунок 4">
-            <a:extLst>
-              <a:ext uri="{FF2B5EF4-FFF2-40B4-BE49-F238E27FC236}">
-                <a16:creationId xmlns:a16="http://schemas.microsoft.com/office/drawing/2014/main" id="{06C0A3C1-27ED-0DA2-CD2D-0A02A993AA52}"/>
+          <p:cNvPr id="6" name="Рисунок 5">
+            <a:extLst>
+              <a:ext uri="{FF2B5EF4-FFF2-40B4-BE49-F238E27FC236}">
+                <a16:creationId xmlns:a16="http://schemas.microsoft.com/office/drawing/2014/main" id="{EBC387BD-1D24-F709-FC80-6F32A8A8E786}"/>
               </a:ext>
             </a:extLst>
           </p:cNvPr>
@@ -4817,98 +5896,20 @@
         </p:blipFill>
         <p:spPr>
           <a:xfrm>
-            <a:off x="0" y="0"/>
-            <a:ext cx="12192000" cy="6858000"/>
+            <a:off x="165515" y="509631"/>
+            <a:ext cx="8965712" cy="5686526"/>
           </a:xfrm>
           <a:prstGeom prst="rect">
             <a:avLst/>
           </a:prstGeom>
         </p:spPr>
       </p:pic>
-      <p:sp>
-        <p:nvSpPr>
-          <p:cNvPr id="2" name="Заголовок 1">
-            <a:extLst>
-              <a:ext uri="{FF2B5EF4-FFF2-40B4-BE49-F238E27FC236}">
-                <a16:creationId xmlns:a16="http://schemas.microsoft.com/office/drawing/2014/main" id="{4D1099CF-4E8A-7206-1639-7DD9F2E1FB6C}"/>
-              </a:ext>
-            </a:extLst>
-          </p:cNvPr>
-          <p:cNvSpPr>
-            <a:spLocks noGrp="1"/>
-          </p:cNvSpPr>
-          <p:nvPr>
-            <p:ph type="title"/>
-          </p:nvPr>
-        </p:nvSpPr>
-        <p:spPr>
-          <a:xfrm>
-            <a:off x="687198" y="2558644"/>
-            <a:ext cx="5252208" cy="776288"/>
-          </a:xfrm>
-        </p:spPr>
-        <p:txBody>
-          <a:bodyPr>
-            <a:normAutofit fontScale="90000"/>
-          </a:bodyPr>
-          <a:lstStyle/>
-          <a:p>
-            <a:r>
-              <a:rPr lang="en-US" b="1" dirty="0"/>
-              <a:t>Kinematic controller</a:t>
-            </a:r>
-            <a:endParaRPr lang="ru-RU" b="1" dirty="0"/>
-          </a:p>
-        </p:txBody>
-      </p:sp>
-      <p:sp>
-        <p:nvSpPr>
-          <p:cNvPr id="3" name="Объект 2">
-            <a:extLst>
-              <a:ext uri="{FF2B5EF4-FFF2-40B4-BE49-F238E27FC236}">
-                <a16:creationId xmlns:a16="http://schemas.microsoft.com/office/drawing/2014/main" id="{9618FBCA-E7AC-E590-6EFD-069C8FF2FA79}"/>
-              </a:ext>
-            </a:extLst>
-          </p:cNvPr>
-          <p:cNvSpPr>
-            <a:spLocks noGrp="1"/>
-          </p:cNvSpPr>
-          <p:nvPr>
-            <p:ph idx="1"/>
-          </p:nvPr>
-        </p:nvSpPr>
-        <p:spPr>
-          <a:xfrm>
-            <a:off x="720754" y="3469869"/>
-            <a:ext cx="3859635" cy="1672584"/>
-          </a:xfrm>
-        </p:spPr>
-        <p:txBody>
-          <a:bodyPr/>
-          <a:lstStyle/>
-          <a:p>
-            <a:pPr marL="0" indent="0">
-              <a:buNone/>
-            </a:pPr>
-            <a:r>
-              <a:rPr lang="en-US" b="1" dirty="0"/>
-              <a:t>*some text about it*</a:t>
-            </a:r>
-          </a:p>
-          <a:p>
-            <a:pPr marL="0" indent="0">
-              <a:buNone/>
-            </a:pPr>
-            <a:endParaRPr lang="en-US" b="1" dirty="0"/>
-          </a:p>
-        </p:txBody>
-      </p:sp>
       <p:pic>
         <p:nvPicPr>
-          <p:cNvPr id="7" name="Рисунок 6">
-            <a:extLst>
-              <a:ext uri="{FF2B5EF4-FFF2-40B4-BE49-F238E27FC236}">
-                <a16:creationId xmlns:a16="http://schemas.microsoft.com/office/drawing/2014/main" id="{BBB44977-7A4A-F3E8-5FF4-045FD1762172}"/>
+          <p:cNvPr id="5" name="Рисунок 4">
+            <a:extLst>
+              <a:ext uri="{FF2B5EF4-FFF2-40B4-BE49-F238E27FC236}">
+                <a16:creationId xmlns:a16="http://schemas.microsoft.com/office/drawing/2014/main" id="{43A02B3C-974D-A619-C1E2-9D8B38EA8253}"/>
               </a:ext>
             </a:extLst>
           </p:cNvPr>
@@ -4930,9 +5931,45 @@
           </a:stretch>
         </p:blipFill>
         <p:spPr>
-          <a:xfrm>
-            <a:off x="6738839" y="1371619"/>
-            <a:ext cx="2981363" cy="3347495"/>
+          <a:xfrm rot="5400000">
+            <a:off x="10131105" y="-1532389"/>
+            <a:ext cx="528506" cy="3593284"/>
+          </a:xfrm>
+          <a:prstGeom prst="rect">
+            <a:avLst/>
+          </a:prstGeom>
+        </p:spPr>
+      </p:pic>
+      <p:pic>
+        <p:nvPicPr>
+          <p:cNvPr id="7" name="Рисунок 6">
+            <a:extLst>
+              <a:ext uri="{FF2B5EF4-FFF2-40B4-BE49-F238E27FC236}">
+                <a16:creationId xmlns:a16="http://schemas.microsoft.com/office/drawing/2014/main" id="{94B62A6E-1880-1F9F-AA55-6729D55442B7}"/>
+              </a:ext>
+            </a:extLst>
+          </p:cNvPr>
+          <p:cNvPicPr>
+            <a:picLocks noChangeAspect="1"/>
+          </p:cNvPicPr>
+          <p:nvPr/>
+        </p:nvPicPr>
+        <p:blipFill>
+          <a:blip r:embed="rId3">
+            <a:extLst>
+              <a:ext uri="{28A0092B-C50C-407E-A947-70E740481C1C}">
+                <a14:useLocalDpi xmlns:a14="http://schemas.microsoft.com/office/drawing/2010/main" val="0"/>
+              </a:ext>
+            </a:extLst>
+          </a:blip>
+          <a:stretch>
+            <a:fillRect/>
+          </a:stretch>
+        </p:blipFill>
+        <p:spPr>
+          <a:xfrm rot="5400000">
+            <a:off x="9889921" y="4555924"/>
+            <a:ext cx="1958827" cy="2645327"/>
           </a:xfrm>
           <a:prstGeom prst="rect">
             <a:avLst/>
@@ -4942,7 +5979,7 @@
     </p:spTree>
     <p:extLst>
       <p:ext uri="{BB962C8B-B14F-4D97-AF65-F5344CB8AC3E}">
-        <p14:creationId xmlns:p14="http://schemas.microsoft.com/office/powerpoint/2010/main" val="341366683"/>
+        <p14:creationId xmlns:p14="http://schemas.microsoft.com/office/powerpoint/2010/main" val="3650402603"/>
       </p:ext>
     </p:extLst>
   </p:cSld>
@@ -4969,12 +6006,97 @@
           <a:chExt cx="0" cy="0"/>
         </a:xfrm>
       </p:grpSpPr>
+      <p:sp>
+        <p:nvSpPr>
+          <p:cNvPr id="2" name="Заголовок 1">
+            <a:extLst>
+              <a:ext uri="{FF2B5EF4-FFF2-40B4-BE49-F238E27FC236}">
+                <a16:creationId xmlns:a16="http://schemas.microsoft.com/office/drawing/2014/main" id="{4D1099CF-4E8A-7206-1639-7DD9F2E1FB6C}"/>
+              </a:ext>
+            </a:extLst>
+          </p:cNvPr>
+          <p:cNvSpPr>
+            <a:spLocks noGrp="1"/>
+          </p:cNvSpPr>
+          <p:nvPr>
+            <p:ph type="title"/>
+          </p:nvPr>
+        </p:nvSpPr>
+        <p:spPr>
+          <a:xfrm>
+            <a:off x="8614803" y="4513280"/>
+            <a:ext cx="3012347" cy="1468073"/>
+          </a:xfrm>
+        </p:spPr>
+        <p:txBody>
+          <a:bodyPr>
+            <a:normAutofit/>
+          </a:bodyPr>
+          <a:lstStyle/>
+          <a:p>
+            <a:r>
+              <a:rPr lang="en-US" b="1" dirty="0"/>
+              <a:t>Kinematic</a:t>
+            </a:r>
+            <a:br>
+              <a:rPr lang="en-US" b="1" dirty="0"/>
+            </a:br>
+            <a:r>
+              <a:rPr lang="en-US" b="1" dirty="0"/>
+              <a:t>controller</a:t>
+            </a:r>
+            <a:endParaRPr lang="ru-RU" b="1" dirty="0"/>
+          </a:p>
+        </p:txBody>
+      </p:sp>
+      <p:sp>
+        <p:nvSpPr>
+          <p:cNvPr id="3" name="Объект 2">
+            <a:extLst>
+              <a:ext uri="{FF2B5EF4-FFF2-40B4-BE49-F238E27FC236}">
+                <a16:creationId xmlns:a16="http://schemas.microsoft.com/office/drawing/2014/main" id="{9618FBCA-E7AC-E590-6EFD-069C8FF2FA79}"/>
+              </a:ext>
+            </a:extLst>
+          </p:cNvPr>
+          <p:cNvSpPr>
+            <a:spLocks noGrp="1"/>
+          </p:cNvSpPr>
+          <p:nvPr>
+            <p:ph idx="1"/>
+          </p:nvPr>
+        </p:nvSpPr>
+        <p:spPr>
+          <a:xfrm>
+            <a:off x="8631582" y="5877512"/>
+            <a:ext cx="3255492" cy="548459"/>
+          </a:xfrm>
+        </p:spPr>
+        <p:txBody>
+          <a:bodyPr/>
+          <a:lstStyle/>
+          <a:p>
+            <a:pPr marL="0" indent="0">
+              <a:buNone/>
+            </a:pPr>
+            <a:r>
+              <a:rPr lang="en-US" b="1" dirty="0"/>
+              <a:t>Drives everything</a:t>
+            </a:r>
+          </a:p>
+          <a:p>
+            <a:pPr marL="0" indent="0">
+              <a:buNone/>
+            </a:pPr>
+            <a:endParaRPr lang="en-US" b="1" dirty="0"/>
+          </a:p>
+        </p:txBody>
+      </p:sp>
       <p:pic>
         <p:nvPicPr>
-          <p:cNvPr id="5" name="Рисунок 4">
-            <a:extLst>
-              <a:ext uri="{FF2B5EF4-FFF2-40B4-BE49-F238E27FC236}">
-                <a16:creationId xmlns:a16="http://schemas.microsoft.com/office/drawing/2014/main" id="{06C0A3C1-27ED-0DA2-CD2D-0A02A993AA52}"/>
+          <p:cNvPr id="6" name="Рисунок 5">
+            <a:extLst>
+              <a:ext uri="{FF2B5EF4-FFF2-40B4-BE49-F238E27FC236}">
+                <a16:creationId xmlns:a16="http://schemas.microsoft.com/office/drawing/2014/main" id="{07CEC402-B189-06B4-414A-D19D83579C5C}"/>
               </a:ext>
             </a:extLst>
           </p:cNvPr>
@@ -4997,93 +6119,20 @@
         </p:blipFill>
         <p:spPr>
           <a:xfrm>
-            <a:off x="0" y="0"/>
-            <a:ext cx="12192000" cy="6858000"/>
+            <a:off x="448469" y="272339"/>
+            <a:ext cx="9513116" cy="5723684"/>
           </a:xfrm>
           <a:prstGeom prst="rect">
             <a:avLst/>
           </a:prstGeom>
         </p:spPr>
       </p:pic>
-      <p:sp>
-        <p:nvSpPr>
-          <p:cNvPr id="2" name="Заголовок 1">
-            <a:extLst>
-              <a:ext uri="{FF2B5EF4-FFF2-40B4-BE49-F238E27FC236}">
-                <a16:creationId xmlns:a16="http://schemas.microsoft.com/office/drawing/2014/main" id="{4D1099CF-4E8A-7206-1639-7DD9F2E1FB6C}"/>
-              </a:ext>
-            </a:extLst>
-          </p:cNvPr>
-          <p:cNvSpPr>
-            <a:spLocks noGrp="1"/>
-          </p:cNvSpPr>
-          <p:nvPr>
-            <p:ph type="title"/>
-          </p:nvPr>
-        </p:nvSpPr>
-        <p:spPr>
-          <a:xfrm>
-            <a:off x="687197" y="2558644"/>
-            <a:ext cx="4119695" cy="776288"/>
-          </a:xfrm>
-        </p:spPr>
-        <p:txBody>
-          <a:bodyPr>
-            <a:normAutofit fontScale="90000"/>
-          </a:bodyPr>
-          <a:lstStyle/>
-          <a:p>
-            <a:r>
-              <a:rPr lang="en-US" b="1" dirty="0"/>
-              <a:t>Bats Movement</a:t>
-            </a:r>
-            <a:endParaRPr lang="ru-RU" b="1" dirty="0"/>
-          </a:p>
-        </p:txBody>
-      </p:sp>
-      <p:sp>
-        <p:nvSpPr>
-          <p:cNvPr id="3" name="Объект 2">
-            <a:extLst>
-              <a:ext uri="{FF2B5EF4-FFF2-40B4-BE49-F238E27FC236}">
-                <a16:creationId xmlns:a16="http://schemas.microsoft.com/office/drawing/2014/main" id="{9618FBCA-E7AC-E590-6EFD-069C8FF2FA79}"/>
-              </a:ext>
-            </a:extLst>
-          </p:cNvPr>
-          <p:cNvSpPr>
-            <a:spLocks noGrp="1"/>
-          </p:cNvSpPr>
-          <p:nvPr>
-            <p:ph idx="1"/>
-          </p:nvPr>
-        </p:nvSpPr>
-        <p:spPr>
-          <a:xfrm>
-            <a:off x="720754" y="3469869"/>
-            <a:ext cx="3859635" cy="1672584"/>
-          </a:xfrm>
-        </p:spPr>
-        <p:txBody>
-          <a:bodyPr/>
-          <a:lstStyle/>
-          <a:p>
-            <a:pPr marL="0" indent="0">
-              <a:buNone/>
-            </a:pPr>
-            <a:r>
-              <a:rPr lang="en-US" b="1"/>
-              <a:t>*some text about it*</a:t>
-            </a:r>
-            <a:endParaRPr lang="en-US" b="1" dirty="0"/>
-          </a:p>
-        </p:txBody>
-      </p:sp>
       <p:pic>
         <p:nvPicPr>
-          <p:cNvPr id="7" name="Рисунок 6">
-            <a:extLst>
-              <a:ext uri="{FF2B5EF4-FFF2-40B4-BE49-F238E27FC236}">
-                <a16:creationId xmlns:a16="http://schemas.microsoft.com/office/drawing/2014/main" id="{BBB44977-7A4A-F3E8-5FF4-045FD1762172}"/>
+          <p:cNvPr id="5" name="Рисунок 4">
+            <a:extLst>
+              <a:ext uri="{FF2B5EF4-FFF2-40B4-BE49-F238E27FC236}">
+                <a16:creationId xmlns:a16="http://schemas.microsoft.com/office/drawing/2014/main" id="{37505AD2-150B-4F1A-DEC9-54C8C87F9A36}"/>
               </a:ext>
             </a:extLst>
           </p:cNvPr>
@@ -5105,9 +6154,45 @@
           </a:stretch>
         </p:blipFill>
         <p:spPr>
-          <a:xfrm>
-            <a:off x="6738839" y="1371619"/>
-            <a:ext cx="2981363" cy="3347495"/>
+          <a:xfrm rot="5400000">
+            <a:off x="9455788" y="1189839"/>
+            <a:ext cx="3926051" cy="1546371"/>
+          </a:xfrm>
+          <a:prstGeom prst="rect">
+            <a:avLst/>
+          </a:prstGeom>
+        </p:spPr>
+      </p:pic>
+      <p:pic>
+        <p:nvPicPr>
+          <p:cNvPr id="7" name="Рисунок 6">
+            <a:extLst>
+              <a:ext uri="{FF2B5EF4-FFF2-40B4-BE49-F238E27FC236}">
+                <a16:creationId xmlns:a16="http://schemas.microsoft.com/office/drawing/2014/main" id="{193755D9-5E74-73CD-7A16-FE1844382916}"/>
+              </a:ext>
+            </a:extLst>
+          </p:cNvPr>
+          <p:cNvPicPr>
+            <a:picLocks noChangeAspect="1"/>
+          </p:cNvPicPr>
+          <p:nvPr/>
+        </p:nvPicPr>
+        <p:blipFill>
+          <a:blip r:embed="rId3">
+            <a:extLst>
+              <a:ext uri="{28A0092B-C50C-407E-A947-70E740481C1C}">
+                <a14:useLocalDpi xmlns:a14="http://schemas.microsoft.com/office/drawing/2010/main" val="0"/>
+              </a:ext>
+            </a:extLst>
+          </a:blip>
+          <a:stretch>
+            <a:fillRect/>
+          </a:stretch>
+        </p:blipFill>
+        <p:spPr>
+          <a:xfrm rot="5400000">
+            <a:off x="852616" y="5395256"/>
+            <a:ext cx="610127" cy="2315361"/>
           </a:xfrm>
           <a:prstGeom prst="rect">
             <a:avLst/>
@@ -5117,7 +6202,7 @@
     </p:spTree>
     <p:extLst>
       <p:ext uri="{BB962C8B-B14F-4D97-AF65-F5344CB8AC3E}">
-        <p14:creationId xmlns:p14="http://schemas.microsoft.com/office/powerpoint/2010/main" val="2891730073"/>
+        <p14:creationId xmlns:p14="http://schemas.microsoft.com/office/powerpoint/2010/main" val="341366683"/>
       </p:ext>
     </p:extLst>
   </p:cSld>
@@ -5144,12 +6229,84 @@
           <a:chExt cx="0" cy="0"/>
         </a:xfrm>
       </p:grpSpPr>
+      <p:sp>
+        <p:nvSpPr>
+          <p:cNvPr id="2" name="Заголовок 1">
+            <a:extLst>
+              <a:ext uri="{FF2B5EF4-FFF2-40B4-BE49-F238E27FC236}">
+                <a16:creationId xmlns:a16="http://schemas.microsoft.com/office/drawing/2014/main" id="{4D1099CF-4E8A-7206-1639-7DD9F2E1FB6C}"/>
+              </a:ext>
+            </a:extLst>
+          </p:cNvPr>
+          <p:cNvSpPr>
+            <a:spLocks noGrp="1"/>
+          </p:cNvSpPr>
+          <p:nvPr>
+            <p:ph type="title"/>
+          </p:nvPr>
+        </p:nvSpPr>
+        <p:spPr>
+          <a:xfrm>
+            <a:off x="351637" y="1803634"/>
+            <a:ext cx="4362975" cy="776288"/>
+          </a:xfrm>
+        </p:spPr>
+        <p:txBody>
+          <a:bodyPr>
+            <a:normAutofit/>
+          </a:bodyPr>
+          <a:lstStyle/>
+          <a:p>
+            <a:r>
+              <a:rPr lang="en-US" b="1" dirty="0"/>
+              <a:t>Ball Movement</a:t>
+            </a:r>
+            <a:endParaRPr lang="ru-RU" b="1" dirty="0"/>
+          </a:p>
+        </p:txBody>
+      </p:sp>
+      <p:sp>
+        <p:nvSpPr>
+          <p:cNvPr id="3" name="Объект 2">
+            <a:extLst>
+              <a:ext uri="{FF2B5EF4-FFF2-40B4-BE49-F238E27FC236}">
+                <a16:creationId xmlns:a16="http://schemas.microsoft.com/office/drawing/2014/main" id="{9618FBCA-E7AC-E590-6EFD-069C8FF2FA79}"/>
+              </a:ext>
+            </a:extLst>
+          </p:cNvPr>
+          <p:cNvSpPr>
+            <a:spLocks noGrp="1"/>
+          </p:cNvSpPr>
+          <p:nvPr>
+            <p:ph idx="1"/>
+          </p:nvPr>
+        </p:nvSpPr>
+        <p:spPr>
+          <a:xfrm>
+            <a:off x="393582" y="2448817"/>
+            <a:ext cx="3331129" cy="590403"/>
+          </a:xfrm>
+        </p:spPr>
+        <p:txBody>
+          <a:bodyPr/>
+          <a:lstStyle/>
+          <a:p>
+            <a:pPr marL="0" indent="0">
+              <a:buNone/>
+            </a:pPr>
+            <a:r>
+              <a:rPr lang="en-US" b="1" dirty="0"/>
+              <a:t>Any assumptions?</a:t>
+            </a:r>
+          </a:p>
+        </p:txBody>
+      </p:sp>
       <p:pic>
         <p:nvPicPr>
-          <p:cNvPr id="5" name="Рисунок 4">
-            <a:extLst>
-              <a:ext uri="{FF2B5EF4-FFF2-40B4-BE49-F238E27FC236}">
-                <a16:creationId xmlns:a16="http://schemas.microsoft.com/office/drawing/2014/main" id="{4FB25FD4-7370-91B3-D34F-F796F16692B2}"/>
+          <p:cNvPr id="6" name="Рисунок 5">
+            <a:extLst>
+              <a:ext uri="{FF2B5EF4-FFF2-40B4-BE49-F238E27FC236}">
+                <a16:creationId xmlns:a16="http://schemas.microsoft.com/office/drawing/2014/main" id="{D1103199-936D-5F44-DC18-2D6AEB8DB592}"/>
               </a:ext>
             </a:extLst>
           </p:cNvPr>
@@ -5172,54 +6329,90 @@
         </p:blipFill>
         <p:spPr>
           <a:xfrm>
-            <a:off x="0" y="0"/>
-            <a:ext cx="12192000" cy="6858000"/>
+            <a:off x="4228051" y="270752"/>
+            <a:ext cx="7306811" cy="6130453"/>
           </a:xfrm>
           <a:prstGeom prst="rect">
             <a:avLst/>
           </a:prstGeom>
         </p:spPr>
       </p:pic>
-      <p:sp>
-        <p:nvSpPr>
-          <p:cNvPr id="2" name="Заголовок 1">
-            <a:extLst>
-              <a:ext uri="{FF2B5EF4-FFF2-40B4-BE49-F238E27FC236}">
-                <a16:creationId xmlns:a16="http://schemas.microsoft.com/office/drawing/2014/main" id="{33A9D202-A504-BD9A-24B1-C3047EBC0527}"/>
-              </a:ext>
-            </a:extLst>
-          </p:cNvPr>
-          <p:cNvSpPr>
-            <a:spLocks noGrp="1"/>
-          </p:cNvSpPr>
-          <p:nvPr>
-            <p:ph type="title"/>
-          </p:nvPr>
-        </p:nvSpPr>
-        <p:spPr>
-          <a:xfrm>
-            <a:off x="3852469" y="2699158"/>
-            <a:ext cx="4487061" cy="1459684"/>
-          </a:xfrm>
-        </p:spPr>
-        <p:txBody>
-          <a:bodyPr>
-            <a:normAutofit/>
-          </a:bodyPr>
-          <a:lstStyle/>
-          <a:p>
-            <a:r>
-              <a:rPr lang="en-US" sz="8000" b="1" dirty="0"/>
-              <a:t>Software</a:t>
-            </a:r>
-            <a:endParaRPr lang="ru-RU" sz="8000" b="1" dirty="0"/>
-          </a:p>
-        </p:txBody>
-      </p:sp>
+      <p:pic>
+        <p:nvPicPr>
+          <p:cNvPr id="5" name="Рисунок 4">
+            <a:extLst>
+              <a:ext uri="{FF2B5EF4-FFF2-40B4-BE49-F238E27FC236}">
+                <a16:creationId xmlns:a16="http://schemas.microsoft.com/office/drawing/2014/main" id="{89421E1F-EE46-4BCA-D801-44BCF3F0E553}"/>
+              </a:ext>
+            </a:extLst>
+          </p:cNvPr>
+          <p:cNvPicPr>
+            <a:picLocks noChangeAspect="1"/>
+          </p:cNvPicPr>
+          <p:nvPr/>
+        </p:nvPicPr>
+        <p:blipFill>
+          <a:blip r:embed="rId3">
+            <a:extLst>
+              <a:ext uri="{28A0092B-C50C-407E-A947-70E740481C1C}">
+                <a14:useLocalDpi xmlns:a14="http://schemas.microsoft.com/office/drawing/2010/main" val="0"/>
+              </a:ext>
+            </a:extLst>
+          </a:blip>
+          <a:stretch>
+            <a:fillRect/>
+          </a:stretch>
+        </p:blipFill>
+        <p:spPr>
+          <a:xfrm rot="5400000">
+            <a:off x="746618" y="-746618"/>
+            <a:ext cx="847289" cy="2340529"/>
+          </a:xfrm>
+          <a:prstGeom prst="rect">
+            <a:avLst/>
+          </a:prstGeom>
+        </p:spPr>
+      </p:pic>
+      <p:pic>
+        <p:nvPicPr>
+          <p:cNvPr id="7" name="Рисунок 6">
+            <a:extLst>
+              <a:ext uri="{FF2B5EF4-FFF2-40B4-BE49-F238E27FC236}">
+                <a16:creationId xmlns:a16="http://schemas.microsoft.com/office/drawing/2014/main" id="{46EA58FC-3DD8-FCBD-11DC-A652E6A4428A}"/>
+              </a:ext>
+            </a:extLst>
+          </p:cNvPr>
+          <p:cNvPicPr>
+            <a:picLocks noChangeAspect="1"/>
+          </p:cNvPicPr>
+          <p:nvPr/>
+        </p:nvPicPr>
+        <p:blipFill>
+          <a:blip r:embed="rId3">
+            <a:extLst>
+              <a:ext uri="{28A0092B-C50C-407E-A947-70E740481C1C}">
+                <a14:useLocalDpi xmlns:a14="http://schemas.microsoft.com/office/drawing/2010/main" val="0"/>
+              </a:ext>
+            </a:extLst>
+          </a:blip>
+          <a:stretch>
+            <a:fillRect/>
+          </a:stretch>
+        </p:blipFill>
+        <p:spPr>
+          <a:xfrm rot="5400000">
+            <a:off x="82142" y="3609013"/>
+            <a:ext cx="3166844" cy="3331129"/>
+          </a:xfrm>
+          <a:prstGeom prst="rect">
+            <a:avLst/>
+          </a:prstGeom>
+        </p:spPr>
+      </p:pic>
     </p:spTree>
     <p:extLst>
       <p:ext uri="{BB962C8B-B14F-4D97-AF65-F5344CB8AC3E}">
-        <p14:creationId xmlns:p14="http://schemas.microsoft.com/office/powerpoint/2010/main" val="3214690833"/>
+        <p14:creationId xmlns:p14="http://schemas.microsoft.com/office/powerpoint/2010/main" val="2891730073"/>
       </p:ext>
     </p:extLst>
   </p:cSld>

--- a/presentation.pptx
+++ b/presentation.pptx
@@ -272,7 +272,7 @@
           <a:p>
             <a:fld id="{1B2700B3-08F4-42F9-BD95-A86CB01488F8}" type="datetimeFigureOut">
               <a:rPr lang="ru-RU" smtClean="0"/>
-              <a:t>16.05.2022</a:t>
+              <a:t>17.05.2022</a:t>
             </a:fld>
             <a:endParaRPr lang="ru-RU" dirty="0"/>
           </a:p>
@@ -470,7 +470,7 @@
           <a:p>
             <a:fld id="{1B2700B3-08F4-42F9-BD95-A86CB01488F8}" type="datetimeFigureOut">
               <a:rPr lang="ru-RU" smtClean="0"/>
-              <a:t>16.05.2022</a:t>
+              <a:t>17.05.2022</a:t>
             </a:fld>
             <a:endParaRPr lang="ru-RU" dirty="0"/>
           </a:p>
@@ -678,7 +678,7 @@
           <a:p>
             <a:fld id="{1B2700B3-08F4-42F9-BD95-A86CB01488F8}" type="datetimeFigureOut">
               <a:rPr lang="ru-RU" smtClean="0"/>
-              <a:t>16.05.2022</a:t>
+              <a:t>17.05.2022</a:t>
             </a:fld>
             <a:endParaRPr lang="ru-RU" dirty="0"/>
           </a:p>
@@ -876,7 +876,7 @@
           <a:p>
             <a:fld id="{1B2700B3-08F4-42F9-BD95-A86CB01488F8}" type="datetimeFigureOut">
               <a:rPr lang="ru-RU" smtClean="0"/>
-              <a:t>16.05.2022</a:t>
+              <a:t>17.05.2022</a:t>
             </a:fld>
             <a:endParaRPr lang="ru-RU" dirty="0"/>
           </a:p>
@@ -1151,7 +1151,7 @@
           <a:p>
             <a:fld id="{1B2700B3-08F4-42F9-BD95-A86CB01488F8}" type="datetimeFigureOut">
               <a:rPr lang="ru-RU" smtClean="0"/>
-              <a:t>16.05.2022</a:t>
+              <a:t>17.05.2022</a:t>
             </a:fld>
             <a:endParaRPr lang="ru-RU" dirty="0"/>
           </a:p>
@@ -1416,7 +1416,7 @@
           <a:p>
             <a:fld id="{1B2700B3-08F4-42F9-BD95-A86CB01488F8}" type="datetimeFigureOut">
               <a:rPr lang="ru-RU" smtClean="0"/>
-              <a:t>16.05.2022</a:t>
+              <a:t>17.05.2022</a:t>
             </a:fld>
             <a:endParaRPr lang="ru-RU" dirty="0"/>
           </a:p>
@@ -1828,7 +1828,7 @@
           <a:p>
             <a:fld id="{1B2700B3-08F4-42F9-BD95-A86CB01488F8}" type="datetimeFigureOut">
               <a:rPr lang="ru-RU" smtClean="0"/>
-              <a:t>16.05.2022</a:t>
+              <a:t>17.05.2022</a:t>
             </a:fld>
             <a:endParaRPr lang="ru-RU" dirty="0"/>
           </a:p>
@@ -1969,7 +1969,7 @@
           <a:p>
             <a:fld id="{1B2700B3-08F4-42F9-BD95-A86CB01488F8}" type="datetimeFigureOut">
               <a:rPr lang="ru-RU" smtClean="0"/>
-              <a:t>16.05.2022</a:t>
+              <a:t>17.05.2022</a:t>
             </a:fld>
             <a:endParaRPr lang="ru-RU" dirty="0"/>
           </a:p>
@@ -2082,7 +2082,7 @@
           <a:p>
             <a:fld id="{1B2700B3-08F4-42F9-BD95-A86CB01488F8}" type="datetimeFigureOut">
               <a:rPr lang="ru-RU" smtClean="0"/>
-              <a:t>16.05.2022</a:t>
+              <a:t>17.05.2022</a:t>
             </a:fld>
             <a:endParaRPr lang="ru-RU" dirty="0"/>
           </a:p>
@@ -2393,7 +2393,7 @@
           <a:p>
             <a:fld id="{1B2700B3-08F4-42F9-BD95-A86CB01488F8}" type="datetimeFigureOut">
               <a:rPr lang="ru-RU" smtClean="0"/>
-              <a:t>16.05.2022</a:t>
+              <a:t>17.05.2022</a:t>
             </a:fld>
             <a:endParaRPr lang="ru-RU" dirty="0"/>
           </a:p>
@@ -2681,7 +2681,7 @@
           <a:p>
             <a:fld id="{1B2700B3-08F4-42F9-BD95-A86CB01488F8}" type="datetimeFigureOut">
               <a:rPr lang="ru-RU" smtClean="0"/>
-              <a:t>16.05.2022</a:t>
+              <a:t>17.05.2022</a:t>
             </a:fld>
             <a:endParaRPr lang="ru-RU" dirty="0"/>
           </a:p>
@@ -2922,7 +2922,7 @@
           <a:p>
             <a:fld id="{1B2700B3-08F4-42F9-BD95-A86CB01488F8}" type="datetimeFigureOut">
               <a:rPr lang="ru-RU" smtClean="0"/>
-              <a:t>16.05.2022</a:t>
+              <a:t>17.05.2022</a:t>
             </a:fld>
             <a:endParaRPr lang="ru-RU" dirty="0"/>
           </a:p>
@@ -3554,6 +3554,50 @@
           </a:prstGeom>
         </p:spPr>
       </p:pic>
+      <p:sp>
+        <p:nvSpPr>
+          <p:cNvPr id="4" name="TextBox 3">
+            <a:extLst>
+              <a:ext uri="{FF2B5EF4-FFF2-40B4-BE49-F238E27FC236}">
+                <a16:creationId xmlns:a16="http://schemas.microsoft.com/office/drawing/2014/main" id="{ED1634A3-A12B-E74C-4E40-3A32DD448315}"/>
+              </a:ext>
+            </a:extLst>
+          </p:cNvPr>
+          <p:cNvSpPr txBox="1"/>
+          <p:nvPr/>
+        </p:nvSpPr>
+        <p:spPr>
+          <a:xfrm>
+            <a:off x="10945534" y="6227363"/>
+            <a:ext cx="1105950" cy="584775"/>
+          </a:xfrm>
+          <a:prstGeom prst="rect">
+            <a:avLst/>
+          </a:prstGeom>
+          <a:noFill/>
+        </p:spPr>
+        <p:txBody>
+          <a:bodyPr wrap="square" rtlCol="0">
+            <a:spAutoFit/>
+          </a:bodyPr>
+          <a:lstStyle/>
+          <a:p>
+            <a:r>
+              <a:rPr lang="en-US" sz="3200" b="1" dirty="0">
+                <a:solidFill>
+                  <a:srgbClr val="E2EFD9"/>
+                </a:solidFill>
+              </a:rPr>
+              <a:t>2022</a:t>
+            </a:r>
+            <a:endParaRPr lang="ru-RU" sz="3200" b="1" dirty="0">
+              <a:solidFill>
+                <a:srgbClr val="E2EFD9"/>
+              </a:solidFill>
+            </a:endParaRPr>
+          </a:p>
+        </p:txBody>
+      </p:sp>
     </p:spTree>
     <p:extLst>
       <p:ext uri="{BB962C8B-B14F-4D97-AF65-F5344CB8AC3E}">
@@ -4445,7 +4489,7 @@
         </p:nvSpPr>
         <p:spPr>
           <a:xfrm>
-            <a:off x="771089" y="1359017"/>
+            <a:off x="980814" y="1677799"/>
             <a:ext cx="3347906" cy="902123"/>
           </a:xfrm>
         </p:spPr>
@@ -4479,7 +4523,7 @@
         </p:nvSpPr>
         <p:spPr>
           <a:xfrm>
-            <a:off x="787866" y="2103991"/>
+            <a:off x="997591" y="2464718"/>
             <a:ext cx="5696824" cy="3441133"/>
           </a:xfrm>
         </p:spPr>
@@ -5179,7 +5223,7 @@
         </p:blipFill>
         <p:spPr>
           <a:xfrm>
-            <a:off x="7325079" y="3726185"/>
+            <a:off x="7484470" y="3726185"/>
             <a:ext cx="3916169" cy="2534856"/>
           </a:xfrm>
           <a:prstGeom prst="rect">

--- a/presentation.pptx
+++ b/presentation.pptx
@@ -3719,7 +3719,7 @@
         <p:spPr>
           <a:xfrm>
             <a:off x="6475607" y="5435301"/>
-            <a:ext cx="3331129" cy="590403"/>
+            <a:ext cx="3163343" cy="590403"/>
           </a:xfrm>
         </p:spPr>
         <p:txBody>
@@ -3731,7 +3731,7 @@
             </a:pPr>
             <a:r>
               <a:rPr lang="en-US" b="1" dirty="0"/>
-              <a:t>Looking for the hit</a:t>
+              <a:t>Tracks the hitting</a:t>
             </a:r>
           </a:p>
         </p:txBody>
@@ -3893,11 +3893,13 @@
         <p:spPr>
           <a:xfrm>
             <a:off x="593817" y="4164325"/>
-            <a:ext cx="3331129" cy="590403"/>
-          </a:xfrm>
-        </p:spPr>
-        <p:txBody>
-          <a:bodyPr/>
+            <a:ext cx="3919460" cy="590403"/>
+          </a:xfrm>
+        </p:spPr>
+        <p:txBody>
+          <a:bodyPr>
+            <a:normAutofit/>
+          </a:bodyPr>
           <a:lstStyle/>
           <a:p>
             <a:pPr marL="0" indent="0">
@@ -3905,7 +3907,7 @@
             </a:pPr>
             <a:r>
               <a:rPr lang="en-US" b="1" dirty="0"/>
-              <a:t>Player and CdM-8</a:t>
+              <a:t>Player’s and CdM-8’s</a:t>
             </a:r>
           </a:p>
         </p:txBody>
@@ -4184,8 +4186,8 @@
         </p:blipFill>
         <p:spPr>
           <a:xfrm rot="5400000">
-            <a:off x="8979713" y="3645717"/>
-            <a:ext cx="5037591" cy="1386980"/>
+            <a:off x="8157592" y="2823598"/>
+            <a:ext cx="5037591" cy="3031220"/>
           </a:xfrm>
           <a:prstGeom prst="rect">
             <a:avLst/>
@@ -4240,13 +4242,13 @@
         </p:nvSpPr>
         <p:spPr>
           <a:xfrm>
-            <a:off x="5401811" y="4298027"/>
-            <a:ext cx="3633132" cy="855677"/>
+            <a:off x="4648867" y="1017928"/>
+            <a:ext cx="3907903" cy="855677"/>
           </a:xfrm>
         </p:spPr>
         <p:txBody>
           <a:bodyPr>
-            <a:normAutofit fontScale="90000"/>
+            <a:normAutofit/>
           </a:bodyPr>
           <a:lstStyle/>
           <a:p>
@@ -4276,13 +4278,13 @@
         </p:nvSpPr>
         <p:spPr>
           <a:xfrm>
-            <a:off x="5443755" y="5069814"/>
-            <a:ext cx="5755547" cy="685033"/>
+            <a:off x="4690810" y="1915550"/>
+            <a:ext cx="3505637" cy="2463504"/>
           </a:xfrm>
         </p:spPr>
         <p:txBody>
           <a:bodyPr>
-            <a:normAutofit fontScale="92500"/>
+            <a:normAutofit/>
           </a:bodyPr>
           <a:lstStyle/>
           <a:p>
@@ -4291,7 +4293,25 @@
             </a:pPr>
             <a:r>
               <a:rPr lang="es-ES" b="1" dirty="0"/>
-              <a:t>255 - (y + (240 - x) / vx * vy - 255)</a:t>
+              <a:t>Your opponent.</a:t>
+            </a:r>
+          </a:p>
+          <a:p>
+            <a:pPr marL="0" indent="0">
+              <a:buNone/>
+            </a:pPr>
+            <a:r>
+              <a:rPr lang="es-ES" b="1" dirty="0"/>
+              <a:t>Pretty simple, actually.</a:t>
+            </a:r>
+          </a:p>
+          <a:p>
+            <a:pPr marL="0" indent="0">
+              <a:buNone/>
+            </a:pPr>
+            <a:r>
+              <a:rPr lang="es-ES" b="1" dirty="0"/>
+              <a:t>Formula is the bot.</a:t>
             </a:r>
             <a:endParaRPr lang="ru-RU" b="1" dirty="0"/>
           </a:p>
@@ -4325,8 +4345,8 @@
         </p:blipFill>
         <p:spPr>
           <a:xfrm>
-            <a:off x="1118964" y="283715"/>
-            <a:ext cx="3436258" cy="6290569"/>
+            <a:off x="572778" y="220211"/>
+            <a:ext cx="3505638" cy="6417578"/>
           </a:xfrm>
           <a:prstGeom prst="rect">
             <a:avLst/>
@@ -4335,10 +4355,10 @@
       </p:pic>
       <p:pic>
         <p:nvPicPr>
-          <p:cNvPr id="5" name="Рисунок 4">
-            <a:extLst>
-              <a:ext uri="{FF2B5EF4-FFF2-40B4-BE49-F238E27FC236}">
-                <a16:creationId xmlns:a16="http://schemas.microsoft.com/office/drawing/2014/main" id="{17A12DAA-74F0-4BDE-934D-D7D678E6B6A9}"/>
+          <p:cNvPr id="8" name="Рисунок 7">
+            <a:extLst>
+              <a:ext uri="{FF2B5EF4-FFF2-40B4-BE49-F238E27FC236}">
+                <a16:creationId xmlns:a16="http://schemas.microsoft.com/office/drawing/2014/main" id="{6F6BA5F4-AFC7-D84C-6825-454EED8E3C9D}"/>
               </a:ext>
             </a:extLst>
           </p:cNvPr>
@@ -4360,9 +4380,9 @@
           </a:stretch>
         </p:blipFill>
         <p:spPr>
-          <a:xfrm>
-            <a:off x="6925403" y="1105243"/>
-            <a:ext cx="2792249" cy="2591641"/>
+          <a:xfrm rot="5400000">
+            <a:off x="9245782" y="-85571"/>
+            <a:ext cx="2860646" cy="3031788"/>
           </a:xfrm>
           <a:prstGeom prst="rect">
             <a:avLst/>
@@ -4371,10 +4391,91 @@
       </p:pic>
       <p:pic>
         <p:nvPicPr>
-          <p:cNvPr id="8" name="Рисунок 7">
-            <a:extLst>
-              <a:ext uri="{FF2B5EF4-FFF2-40B4-BE49-F238E27FC236}">
-                <a16:creationId xmlns:a16="http://schemas.microsoft.com/office/drawing/2014/main" id="{6F6BA5F4-AFC7-D84C-6825-454EED8E3C9D}"/>
+          <p:cNvPr id="9" name="Рисунок 8">
+            <a:extLst>
+              <a:ext uri="{FF2B5EF4-FFF2-40B4-BE49-F238E27FC236}">
+                <a16:creationId xmlns:a16="http://schemas.microsoft.com/office/drawing/2014/main" id="{679D5255-42EB-7B6B-B90C-88D47EDF487C}"/>
+              </a:ext>
+            </a:extLst>
+          </p:cNvPr>
+          <p:cNvPicPr>
+            <a:picLocks noChangeAspect="1"/>
+          </p:cNvPicPr>
+          <p:nvPr/>
+        </p:nvPicPr>
+        <p:blipFill>
+          <a:blip r:embed="rId3">
+            <a:extLst>
+              <a:ext uri="{28A0092B-C50C-407E-A947-70E740481C1C}">
+                <a14:useLocalDpi xmlns:a14="http://schemas.microsoft.com/office/drawing/2010/main" val="0"/>
+              </a:ext>
+            </a:extLst>
+          </a:blip>
+          <a:stretch>
+            <a:fillRect/>
+          </a:stretch>
+        </p:blipFill>
+        <p:spPr>
+          <a:xfrm rot="5400000">
+            <a:off x="7389997" y="2056004"/>
+            <a:ext cx="1967222" cy="7636777"/>
+          </a:xfrm>
+          <a:prstGeom prst="rect">
+            <a:avLst/>
+          </a:prstGeom>
+        </p:spPr>
+      </p:pic>
+      <p:sp>
+        <p:nvSpPr>
+          <p:cNvPr id="4" name="TextBox 3">
+            <a:extLst>
+              <a:ext uri="{FF2B5EF4-FFF2-40B4-BE49-F238E27FC236}">
+                <a16:creationId xmlns:a16="http://schemas.microsoft.com/office/drawing/2014/main" id="{F871734F-02B2-0817-44FA-89F0C0D8CF51}"/>
+              </a:ext>
+            </a:extLst>
+          </p:cNvPr>
+          <p:cNvSpPr txBox="1"/>
+          <p:nvPr/>
+        </p:nvSpPr>
+        <p:spPr>
+          <a:xfrm>
+            <a:off x="5799828" y="5643559"/>
+            <a:ext cx="5147563" cy="461665"/>
+          </a:xfrm>
+          <a:prstGeom prst="rect">
+            <a:avLst/>
+          </a:prstGeom>
+          <a:noFill/>
+        </p:spPr>
+        <p:txBody>
+          <a:bodyPr wrap="none" rtlCol="0">
+            <a:spAutoFit/>
+          </a:bodyPr>
+          <a:lstStyle/>
+          <a:p>
+            <a:pPr algn="ctr"/>
+            <a:r>
+              <a:rPr lang="es-ES" sz="2400" b="1" dirty="0">
+                <a:solidFill>
+                  <a:srgbClr val="E2EFD9"/>
+                </a:solidFill>
+              </a:rPr>
+              <a:t>255 - (y + (240 - x) / vx * vy - 255)</a:t>
+            </a:r>
+            <a:endParaRPr lang="ru-RU" sz="2400" b="1" dirty="0">
+              <a:solidFill>
+                <a:srgbClr val="E2EFD9"/>
+              </a:solidFill>
+            </a:endParaRPr>
+          </a:p>
+        </p:txBody>
+      </p:sp>
+      <p:pic>
+        <p:nvPicPr>
+          <p:cNvPr id="10" name="Рисунок 9">
+            <a:extLst>
+              <a:ext uri="{FF2B5EF4-FFF2-40B4-BE49-F238E27FC236}">
+                <a16:creationId xmlns:a16="http://schemas.microsoft.com/office/drawing/2014/main" id="{7AEE3BD3-D6AC-A0C9-AA9C-475C4E408DB5}"/>
               </a:ext>
             </a:extLst>
           </p:cNvPr>
@@ -4396,45 +4497,9 @@
           </a:stretch>
         </p:blipFill>
         <p:spPr>
-          <a:xfrm rot="5400000">
-            <a:off x="10844167" y="-39146"/>
-            <a:ext cx="1308686" cy="1386980"/>
-          </a:xfrm>
-          <a:prstGeom prst="rect">
-            <a:avLst/>
-          </a:prstGeom>
-        </p:spPr>
-      </p:pic>
-      <p:pic>
-        <p:nvPicPr>
-          <p:cNvPr id="9" name="Рисунок 8">
-            <a:extLst>
-              <a:ext uri="{FF2B5EF4-FFF2-40B4-BE49-F238E27FC236}">
-                <a16:creationId xmlns:a16="http://schemas.microsoft.com/office/drawing/2014/main" id="{679D5255-42EB-7B6B-B90C-88D47EDF487C}"/>
-              </a:ext>
-            </a:extLst>
-          </p:cNvPr>
-          <p:cNvPicPr>
-            <a:picLocks noChangeAspect="1"/>
-          </p:cNvPicPr>
-          <p:nvPr/>
-        </p:nvPicPr>
-        <p:blipFill>
-          <a:blip r:embed="rId4">
-            <a:extLst>
-              <a:ext uri="{28A0092B-C50C-407E-A947-70E740481C1C}">
-                <a14:useLocalDpi xmlns:a14="http://schemas.microsoft.com/office/drawing/2010/main" val="0"/>
-              </a:ext>
-            </a:extLst>
-          </a:blip>
-          <a:stretch>
-            <a:fillRect/>
-          </a:stretch>
-        </p:blipFill>
-        <p:spPr>
-          <a:xfrm rot="5400000">
-            <a:off x="7945771" y="2611777"/>
-            <a:ext cx="855677" cy="7636777"/>
+          <a:xfrm>
+            <a:off x="9513116" y="296626"/>
+            <a:ext cx="2400686" cy="2228209"/>
           </a:xfrm>
           <a:prstGeom prst="rect">
             <a:avLst/>
@@ -4545,7 +4610,7 @@
             </a:pPr>
             <a:r>
               <a:rPr lang="en-US" b="1" dirty="0"/>
-              <a:t>Now we ready to answer your questions.</a:t>
+              <a:t>Now we are ready to answer your questions.</a:t>
             </a:r>
             <a:endParaRPr lang="ru-RU" b="1" dirty="0"/>
           </a:p>
@@ -5018,7 +5083,7 @@
             </a:pPr>
             <a:r>
               <a:rPr lang="en-US" b="1" dirty="0"/>
-              <a:t>We divided our presentation into 3 parts:</a:t>
+              <a:t>We have divided our presentation into 3 parts:</a:t>
             </a:r>
           </a:p>
           <a:p>
@@ -5316,11 +5381,13 @@
         <p:spPr>
           <a:xfrm>
             <a:off x="823894" y="1825624"/>
-            <a:ext cx="5143150" cy="3769832"/>
-          </a:xfrm>
-        </p:spPr>
-        <p:txBody>
-          <a:bodyPr/>
+            <a:ext cx="5143150" cy="3073548"/>
+          </a:xfrm>
+        </p:spPr>
+        <p:txBody>
+          <a:bodyPr>
+            <a:normAutofit/>
+          </a:bodyPr>
           <a:lstStyle/>
           <a:p>
             <a:pPr marL="0" indent="0">
@@ -5337,18 +5404,8 @@
             </a:pPr>
             <a:r>
               <a:rPr lang="en-US" b="1" dirty="0"/>
-              <a:t>32x32 video display, scores, ball, two bats (one controlled by player, other one by bot), joystick (to control player’s bat).</a:t>
-            </a:r>
-          </a:p>
-          <a:p>
-            <a:pPr marL="0" indent="0">
-              <a:buNone/>
-            </a:pPr>
-            <a:r>
-              <a:rPr lang="en-US" b="1" dirty="0"/>
-              <a:t>Game ends when someone gets 24 points.</a:t>
-            </a:r>
-            <a:endParaRPr lang="ru-RU" b="1" dirty="0"/>
+              <a:t>32x32 video display, scores, ball, two bats (one controlled by player, other one by bot), joystick (to control player’s bat) and some LEDs.</a:t>
+            </a:r>
           </a:p>
         </p:txBody>
       </p:sp>
@@ -5460,6 +5517,50 @@
           </a:prstGeom>
         </p:spPr>
       </p:pic>
+      <p:sp>
+        <p:nvSpPr>
+          <p:cNvPr id="7" name="TextBox 6">
+            <a:extLst>
+              <a:ext uri="{FF2B5EF4-FFF2-40B4-BE49-F238E27FC236}">
+                <a16:creationId xmlns:a16="http://schemas.microsoft.com/office/drawing/2014/main" id="{30366143-6E87-14AA-028D-14C7D996B569}"/>
+              </a:ext>
+            </a:extLst>
+          </p:cNvPr>
+          <p:cNvSpPr txBox="1"/>
+          <p:nvPr/>
+        </p:nvSpPr>
+        <p:spPr>
+          <a:xfrm>
+            <a:off x="6611920" y="6082566"/>
+            <a:ext cx="3363985" cy="523220"/>
+          </a:xfrm>
+          <a:prstGeom prst="rect">
+            <a:avLst/>
+          </a:prstGeom>
+          <a:noFill/>
+        </p:spPr>
+        <p:txBody>
+          <a:bodyPr wrap="square" rtlCol="0">
+            <a:spAutoFit/>
+          </a:bodyPr>
+          <a:lstStyle/>
+          <a:p>
+            <a:r>
+              <a:rPr lang="en-US" sz="2800" b="1" dirty="0">
+                <a:solidFill>
+                  <a:srgbClr val="E2EFD9"/>
+                </a:solidFill>
+              </a:rPr>
+              <a:t>24 points = Victory</a:t>
+            </a:r>
+            <a:endParaRPr lang="ru-RU" sz="2800" b="1" dirty="0">
+              <a:solidFill>
+                <a:srgbClr val="E2EFD9"/>
+              </a:solidFill>
+            </a:endParaRPr>
+          </a:p>
+        </p:txBody>
+      </p:sp>
     </p:spTree>
     <p:extLst>
       <p:ext uri="{BB962C8B-B14F-4D97-AF65-F5344CB8AC3E}">
@@ -5683,12 +5784,12 @@
         <p:spPr>
           <a:xfrm>
             <a:off x="7255775" y="3870708"/>
-            <a:ext cx="4564312" cy="674264"/>
+            <a:ext cx="2752291" cy="674264"/>
           </a:xfrm>
         </p:spPr>
         <p:txBody>
           <a:bodyPr>
-            <a:normAutofit fontScale="92500"/>
+            <a:normAutofit/>
           </a:bodyPr>
           <a:lstStyle/>
           <a:p>
@@ -5697,7 +5798,7 @@
             </a:pPr>
             <a:r>
               <a:rPr lang="en-US" b="1" dirty="0"/>
-              <a:t>Here you look and perform</a:t>
+              <a:t>You play here</a:t>
             </a:r>
           </a:p>
         </p:txBody>
@@ -5858,7 +5959,7 @@
         </p:nvSpPr>
         <p:spPr>
           <a:xfrm>
-            <a:off x="7991052" y="3131120"/>
+            <a:off x="8091720" y="3131120"/>
             <a:ext cx="3859635" cy="776288"/>
           </a:xfrm>
         </p:spPr>
@@ -5894,7 +5995,7 @@
         </p:nvSpPr>
         <p:spPr>
           <a:xfrm>
-            <a:off x="7977229" y="3870708"/>
+            <a:off x="8077897" y="3837152"/>
             <a:ext cx="3859635" cy="674264"/>
           </a:xfrm>
         </p:spPr>
@@ -6068,7 +6169,7 @@
         </p:nvSpPr>
         <p:spPr>
           <a:xfrm>
-            <a:off x="8614803" y="4513280"/>
+            <a:off x="8614803" y="4572003"/>
             <a:ext cx="3012347" cy="1468073"/>
           </a:xfrm>
         </p:spPr>
@@ -6111,7 +6212,7 @@
         </p:nvSpPr>
         <p:spPr>
           <a:xfrm>
-            <a:off x="8631582" y="5877512"/>
+            <a:off x="8631582" y="5936235"/>
             <a:ext cx="3255492" cy="548459"/>
           </a:xfrm>
         </p:spPr>
